--- a/docs/diagrams/LogicComponentClassDiagramCalendarVersion.pptx
+++ b/docs/diagrams/LogicComponentClassDiagramCalendarVersion.pptx
@@ -5,10 +5,11 @@
     <p:sldMasterId id="2147483648" r:id="rId1"/>
   </p:sldMasterIdLst>
   <p:notesMasterIdLst>
-    <p:notesMasterId r:id="rId3"/>
+    <p:notesMasterId r:id="rId4"/>
   </p:notesMasterIdLst>
   <p:sldIdLst>
     <p:sldId id="262" r:id="rId2"/>
+    <p:sldId id="263" r:id="rId3"/>
   </p:sldIdLst>
   <p:sldSz cx="9144000" cy="6858000" type="screen4x3"/>
   <p:notesSz cx="6858000" cy="9144000"/>
@@ -212,7 +213,7 @@
           <a:p>
             <a:fld id="{F5CC4B3F-88C1-4FFA-B1B6-F41C21DC6924}" type="datetimeFigureOut">
               <a:rPr lang="en-US" smtClean="0"/>
-              <a:t>4/14/2018</a:t>
+              <a:t>4/15/2018</a:t>
             </a:fld>
             <a:endParaRPr lang="en-US"/>
           </a:p>
@@ -658,7 +659,7 @@
           <a:p>
             <a:fld id="{78C97017-6FC3-485B-9764-EAC9E56C1D49}" type="datetimeFigureOut">
               <a:rPr lang="en-US" smtClean="0"/>
-              <a:t>4/14/2018</a:t>
+              <a:t>4/15/2018</a:t>
             </a:fld>
             <a:endParaRPr lang="en-US"/>
           </a:p>
@@ -826,7 +827,7 @@
           <a:p>
             <a:fld id="{78C97017-6FC3-485B-9764-EAC9E56C1D49}" type="datetimeFigureOut">
               <a:rPr lang="en-US" smtClean="0"/>
-              <a:t>4/14/2018</a:t>
+              <a:t>4/15/2018</a:t>
             </a:fld>
             <a:endParaRPr lang="en-US"/>
           </a:p>
@@ -1004,7 +1005,7 @@
           <a:p>
             <a:fld id="{78C97017-6FC3-485B-9764-EAC9E56C1D49}" type="datetimeFigureOut">
               <a:rPr lang="en-US" smtClean="0"/>
-              <a:t>4/14/2018</a:t>
+              <a:t>4/15/2018</a:t>
             </a:fld>
             <a:endParaRPr lang="en-US"/>
           </a:p>
@@ -1172,7 +1173,7 @@
           <a:p>
             <a:fld id="{78C97017-6FC3-485B-9764-EAC9E56C1D49}" type="datetimeFigureOut">
               <a:rPr lang="en-US" smtClean="0"/>
-              <a:t>4/14/2018</a:t>
+              <a:t>4/15/2018</a:t>
             </a:fld>
             <a:endParaRPr lang="en-US"/>
           </a:p>
@@ -1417,7 +1418,7 @@
           <a:p>
             <a:fld id="{78C97017-6FC3-485B-9764-EAC9E56C1D49}" type="datetimeFigureOut">
               <a:rPr lang="en-US" smtClean="0"/>
-              <a:t>4/14/2018</a:t>
+              <a:t>4/15/2018</a:t>
             </a:fld>
             <a:endParaRPr lang="en-US"/>
           </a:p>
@@ -1702,7 +1703,7 @@
           <a:p>
             <a:fld id="{78C97017-6FC3-485B-9764-EAC9E56C1D49}" type="datetimeFigureOut">
               <a:rPr lang="en-US" smtClean="0"/>
-              <a:t>4/14/2018</a:t>
+              <a:t>4/15/2018</a:t>
             </a:fld>
             <a:endParaRPr lang="en-US"/>
           </a:p>
@@ -2121,7 +2122,7 @@
           <a:p>
             <a:fld id="{78C97017-6FC3-485B-9764-EAC9E56C1D49}" type="datetimeFigureOut">
               <a:rPr lang="en-US" smtClean="0"/>
-              <a:t>4/14/2018</a:t>
+              <a:t>4/15/2018</a:t>
             </a:fld>
             <a:endParaRPr lang="en-US"/>
           </a:p>
@@ -2238,7 +2239,7 @@
           <a:p>
             <a:fld id="{78C97017-6FC3-485B-9764-EAC9E56C1D49}" type="datetimeFigureOut">
               <a:rPr lang="en-US" smtClean="0"/>
-              <a:t>4/14/2018</a:t>
+              <a:t>4/15/2018</a:t>
             </a:fld>
             <a:endParaRPr lang="en-US"/>
           </a:p>
@@ -2333,7 +2334,7 @@
           <a:p>
             <a:fld id="{78C97017-6FC3-485B-9764-EAC9E56C1D49}" type="datetimeFigureOut">
               <a:rPr lang="en-US" smtClean="0"/>
-              <a:t>4/14/2018</a:t>
+              <a:t>4/15/2018</a:t>
             </a:fld>
             <a:endParaRPr lang="en-US"/>
           </a:p>
@@ -2608,7 +2609,7 @@
           <a:p>
             <a:fld id="{78C97017-6FC3-485B-9764-EAC9E56C1D49}" type="datetimeFigureOut">
               <a:rPr lang="en-US" smtClean="0"/>
-              <a:t>4/14/2018</a:t>
+              <a:t>4/15/2018</a:t>
             </a:fld>
             <a:endParaRPr lang="en-US"/>
           </a:p>
@@ -2860,7 +2861,7 @@
           <a:p>
             <a:fld id="{78C97017-6FC3-485B-9764-EAC9E56C1D49}" type="datetimeFigureOut">
               <a:rPr lang="en-US" smtClean="0"/>
-              <a:t>4/14/2018</a:t>
+              <a:t>4/15/2018</a:t>
             </a:fld>
             <a:endParaRPr lang="en-US"/>
           </a:p>
@@ -3071,7 +3072,7 @@
           <a:p>
             <a:fld id="{78C97017-6FC3-485B-9764-EAC9E56C1D49}" type="datetimeFigureOut">
               <a:rPr lang="en-US" smtClean="0"/>
-              <a:t>4/14/2018</a:t>
+              <a:t>4/15/2018</a:t>
             </a:fld>
             <a:endParaRPr lang="en-US"/>
           </a:p>
@@ -3454,8 +3455,8 @@
         </p:nvSpPr>
         <p:spPr>
           <a:xfrm>
-            <a:off x="1066800" y="914400"/>
-            <a:ext cx="7543800" cy="3733800"/>
+            <a:off x="102661" y="457200"/>
+            <a:ext cx="8938437" cy="5091545"/>
           </a:xfrm>
           <a:prstGeom prst="roundRect">
             <a:avLst>
@@ -3515,8 +3516,8 @@
         </p:nvSpPr>
         <p:spPr>
           <a:xfrm>
-            <a:off x="2095948" y="1253067"/>
-            <a:ext cx="1093635" cy="346760"/>
+            <a:off x="1322070" y="919019"/>
+            <a:ext cx="1295817" cy="472855"/>
           </a:xfrm>
           <a:prstGeom prst="rect">
             <a:avLst/>
@@ -3551,7 +3552,7 @@
           <a:p>
             <a:pPr algn="ctr"/>
             <a:r>
-              <a:rPr lang="en-US" sz="1050" dirty="0" err="1">
+              <a:rPr lang="en-US" sz="1050" dirty="0">
                 <a:solidFill>
                   <a:schemeClr val="bg1"/>
                 </a:solidFill>
@@ -3574,8 +3575,8 @@
         </p:nvSpPr>
         <p:spPr>
           <a:xfrm flipH="1">
-            <a:off x="6878274" y="2740152"/>
-            <a:ext cx="1275126" cy="346760"/>
+            <a:off x="6988514" y="2946862"/>
+            <a:ext cx="1510861" cy="472855"/>
           </a:xfrm>
           <a:prstGeom prst="rect">
             <a:avLst/>
@@ -3612,15 +3613,7 @@
                   <a:srgbClr val="0070C0"/>
                 </a:solidFill>
               </a:rPr>
-              <a:t>Calendar</a:t>
-            </a:r>
-            <a:r>
-              <a:rPr lang="en-US" sz="1050" b="1" dirty="0" smtClean="0">
-                <a:solidFill>
-                  <a:srgbClr val="0070C0"/>
-                </a:solidFill>
-              </a:rPr>
-              <a:t>Command</a:t>
+              <a:t>CalendarCommand</a:t>
             </a:r>
             <a:endParaRPr lang="en-SG" sz="1050" b="1" dirty="0">
               <a:solidFill>
@@ -3638,8 +3631,8 @@
         </p:nvSpPr>
         <p:spPr>
           <a:xfrm>
-            <a:off x="1782495" y="3583530"/>
-            <a:ext cx="1093635" cy="346760"/>
+            <a:off x="950668" y="4096923"/>
+            <a:ext cx="1295817" cy="472855"/>
           </a:xfrm>
           <a:prstGeom prst="rect">
             <a:avLst/>
@@ -3674,7 +3667,7 @@
           <a:p>
             <a:pPr algn="ctr"/>
             <a:r>
-              <a:rPr lang="en-US" sz="1050" dirty="0" err="1">
+              <a:rPr lang="en-US" sz="1050" dirty="0">
                 <a:solidFill>
                   <a:schemeClr val="bg1"/>
                 </a:solidFill>
@@ -3700,8 +3693,8 @@
         </p:nvCxnSpPr>
         <p:spPr>
           <a:xfrm flipH="1" flipV="1">
-            <a:off x="3189583" y="1426447"/>
-            <a:ext cx="4736182" cy="2895973"/>
+            <a:off x="2617887" y="1155446"/>
+            <a:ext cx="5611769" cy="3949054"/>
           </a:xfrm>
           <a:prstGeom prst="bentConnector3">
             <a:avLst>
@@ -3743,8 +3736,8 @@
         </p:nvCxnSpPr>
         <p:spPr>
           <a:xfrm>
-            <a:off x="1676400" y="1423587"/>
-            <a:ext cx="419548" cy="2860"/>
+            <a:off x="824959" y="1151546"/>
+            <a:ext cx="497111" cy="3900"/>
           </a:xfrm>
           <a:prstGeom prst="bentConnector3">
             <a:avLst>
@@ -3784,8 +3777,8 @@
         </p:nvSpPr>
         <p:spPr>
           <a:xfrm>
-            <a:off x="1103085" y="4777355"/>
-            <a:ext cx="7507515" cy="328045"/>
+            <a:off x="145654" y="5724866"/>
+            <a:ext cx="8895444" cy="447334"/>
           </a:xfrm>
           <a:prstGeom prst="roundRect">
             <a:avLst/>
@@ -3844,8 +3837,8 @@
         </p:nvSpPr>
         <p:spPr>
           <a:xfrm>
-            <a:off x="7153722" y="4149040"/>
-            <a:ext cx="772043" cy="346760"/>
+            <a:off x="7314884" y="4868073"/>
+            <a:ext cx="914772" cy="472855"/>
           </a:xfrm>
           <a:prstGeom prst="rect">
             <a:avLst/>
@@ -3915,8 +3908,8 @@
         </p:nvSpPr>
         <p:spPr>
           <a:xfrm>
-            <a:off x="3255418" y="3554995"/>
-            <a:ext cx="1045323" cy="384497"/>
+            <a:off x="2695893" y="4058011"/>
+            <a:ext cx="1238574" cy="524314"/>
           </a:xfrm>
           <a:prstGeom prst="rect">
             <a:avLst/>
@@ -3947,7 +3940,7 @@
           <a:p>
             <a:pPr algn="ctr"/>
             <a:r>
-              <a:rPr lang="en-US" sz="1050" dirty="0" err="1" smtClean="0">
+              <a:rPr lang="en-US" sz="1050" dirty="0" smtClean="0">
                 <a:solidFill>
                   <a:schemeClr val="bg1"/>
                 </a:solidFill>
@@ -3988,8 +3981,8 @@
         </p:nvCxnSpPr>
         <p:spPr>
           <a:xfrm>
-            <a:off x="7539744" y="4495800"/>
-            <a:ext cx="0" cy="281555"/>
+            <a:off x="7772271" y="5340927"/>
+            <a:ext cx="0" cy="383939"/>
           </a:xfrm>
           <a:prstGeom prst="straightConnector1">
             <a:avLst/>
@@ -4027,8 +4020,8 @@
         </p:nvSpPr>
         <p:spPr>
           <a:xfrm rot="16200000">
-            <a:off x="398120" y="2150720"/>
-            <a:ext cx="2209800" cy="346760"/>
+            <a:off x="-887156" y="2174085"/>
+            <a:ext cx="3013364" cy="410866"/>
           </a:xfrm>
           <a:prstGeom prst="rect">
             <a:avLst/>
@@ -4097,8 +4090,8 @@
         </p:nvSpPr>
         <p:spPr>
           <a:xfrm>
-            <a:off x="1359039" y="3429000"/>
-            <a:ext cx="270504" cy="175523"/>
+            <a:off x="448927" y="3886200"/>
+            <a:ext cx="320513" cy="239350"/>
           </a:xfrm>
           <a:prstGeom prst="triangle">
             <a:avLst/>
@@ -4135,7 +4128,7 @@
           <a:lstStyle/>
           <a:p>
             <a:pPr algn="ctr"/>
-            <a:endParaRPr lang="en-SG" sz="1050" b="1">
+            <a:endParaRPr lang="en-SG" sz="1050" b="1" dirty="0">
               <a:solidFill>
                 <a:srgbClr val="92D050"/>
               </a:solidFill>
@@ -4154,8 +4147,8 @@
         </p:nvCxnSpPr>
         <p:spPr>
           <a:xfrm rot="10800000">
-            <a:off x="1494291" y="3604524"/>
-            <a:ext cx="288204" cy="152387"/>
+            <a:off x="609183" y="4125551"/>
+            <a:ext cx="341485" cy="207800"/>
           </a:xfrm>
           <a:prstGeom prst="bentConnector2">
             <a:avLst/>
@@ -4195,8 +4188,8 @@
         </p:nvCxnSpPr>
         <p:spPr>
           <a:xfrm>
-            <a:off x="2329313" y="3930290"/>
-            <a:ext cx="1376" cy="854841"/>
+            <a:off x="1598577" y="4569777"/>
+            <a:ext cx="1630" cy="1165692"/>
           </a:xfrm>
           <a:prstGeom prst="straightConnector1">
             <a:avLst/>
@@ -4233,8 +4226,8 @@
         </p:nvCxnSpPr>
         <p:spPr>
           <a:xfrm>
-            <a:off x="893311" y="2832505"/>
-            <a:ext cx="419548" cy="2860"/>
+            <a:off x="-102901" y="3072798"/>
+            <a:ext cx="497111" cy="3900"/>
           </a:xfrm>
           <a:prstGeom prst="bentConnector3">
             <a:avLst>
@@ -4278,8 +4271,8 @@
         </p:nvCxnSpPr>
         <p:spPr>
           <a:xfrm>
-            <a:off x="2458683" y="3939492"/>
-            <a:ext cx="4695039" cy="382928"/>
+            <a:off x="1751864" y="4582325"/>
+            <a:ext cx="5563020" cy="522175"/>
           </a:xfrm>
           <a:prstGeom prst="bentConnector3">
             <a:avLst>
@@ -4319,8 +4312,8 @@
         </p:nvGrpSpPr>
         <p:grpSpPr>
           <a:xfrm>
-            <a:off x="4597400" y="4341168"/>
-            <a:ext cx="889000" cy="230832"/>
+            <a:off x="4285970" y="5130065"/>
+            <a:ext cx="1053351" cy="314771"/>
             <a:chOff x="2895600" y="807932"/>
             <a:chExt cx="889000" cy="230832"/>
           </a:xfrm>
@@ -4406,7 +4399,7 @@
             <a:lstStyle/>
             <a:p>
               <a:pPr algn="ctr"/>
-              <a:endParaRPr lang="en-SG"/>
+              <a:endParaRPr lang="en-SG" dirty="0"/>
             </a:p>
           </p:txBody>
         </p:sp>
@@ -4419,8 +4412,8 @@
         </p:nvGrpSpPr>
         <p:grpSpPr>
           <a:xfrm>
-            <a:off x="4665110" y="1219200"/>
-            <a:ext cx="868568" cy="230832"/>
+            <a:off x="4366198" y="872836"/>
+            <a:ext cx="1029142" cy="314771"/>
             <a:chOff x="2755838" y="789460"/>
             <a:chExt cx="868568" cy="230832"/>
           </a:xfrm>
@@ -4505,7 +4498,7 @@
             <a:lstStyle/>
             <a:p>
               <a:pPr algn="ctr"/>
-              <a:endParaRPr lang="en-SG"/>
+              <a:endParaRPr lang="en-SG" dirty="0"/>
             </a:p>
           </p:txBody>
         </p:sp>
@@ -4518,8 +4511,8 @@
         </p:nvSpPr>
         <p:spPr>
           <a:xfrm>
-            <a:off x="3048000" y="3733800"/>
-            <a:ext cx="131116" cy="230832"/>
+            <a:off x="2450129" y="4301836"/>
+            <a:ext cx="155356" cy="314771"/>
           </a:xfrm>
           <a:prstGeom prst="rect">
             <a:avLst/>
@@ -4557,8 +4550,8 @@
         </p:nvCxnSpPr>
         <p:spPr>
           <a:xfrm rot="5400000" flipH="1" flipV="1">
-            <a:off x="1193276" y="2601868"/>
-            <a:ext cx="1969553" cy="2764"/>
+            <a:off x="76476" y="2758540"/>
+            <a:ext cx="2685754" cy="3275"/>
           </a:xfrm>
           <a:prstGeom prst="bentConnector3">
             <a:avLst>
@@ -4598,8 +4591,8 @@
         </p:nvSpPr>
         <p:spPr>
           <a:xfrm>
-            <a:off x="3174214" y="1862795"/>
-            <a:ext cx="751107" cy="346760"/>
+            <a:off x="2599677" y="1750466"/>
+            <a:ext cx="889966" cy="472855"/>
           </a:xfrm>
           <a:prstGeom prst="rect">
             <a:avLst/>
@@ -4640,7 +4633,7 @@
           <a:p>
             <a:pPr algn="ctr"/>
             <a:r>
-              <a:rPr lang="en-US" sz="1050">
+              <a:rPr lang="en-US" sz="1050" dirty="0">
                 <a:solidFill>
                   <a:schemeClr val="bg1"/>
                 </a:solidFill>
@@ -4648,14 +4641,14 @@
               <a:t>Argument</a:t>
             </a:r>
             <a:br>
-              <a:rPr lang="en-US" sz="1050">
+              <a:rPr lang="en-US" sz="1050" dirty="0">
                 <a:solidFill>
                   <a:schemeClr val="bg1"/>
                 </a:solidFill>
               </a:rPr>
             </a:br>
             <a:r>
-              <a:rPr lang="en-US" sz="1050">
+              <a:rPr lang="en-US" sz="1050" dirty="0" err="1">
                 <a:solidFill>
                   <a:schemeClr val="bg1"/>
                 </a:solidFill>
@@ -4678,8 +4671,8 @@
         </p:nvSpPr>
         <p:spPr>
           <a:xfrm>
-            <a:off x="2238496" y="2454481"/>
-            <a:ext cx="726243" cy="174580"/>
+            <a:off x="1490971" y="2557310"/>
+            <a:ext cx="860505" cy="238064"/>
           </a:xfrm>
           <a:prstGeom prst="rect">
             <a:avLst/>
@@ -4743,8 +4736,8 @@
         </p:nvSpPr>
         <p:spPr>
           <a:xfrm>
-            <a:off x="3186326" y="2841725"/>
-            <a:ext cx="731636" cy="283820"/>
+            <a:off x="2614028" y="3085370"/>
+            <a:ext cx="866895" cy="387027"/>
           </a:xfrm>
           <a:prstGeom prst="rect">
             <a:avLst/>
@@ -4785,18 +4778,13 @@
           <a:p>
             <a:pPr algn="ctr"/>
             <a:r>
-              <a:rPr lang="en-SG" sz="1050" dirty="0" err="1">
+              <a:rPr lang="en-SG" sz="1050" dirty="0">
                 <a:solidFill>
                   <a:schemeClr val="bg1"/>
                 </a:solidFill>
               </a:rPr>
               <a:t>CliSyntax</a:t>
             </a:r>
-            <a:endParaRPr lang="en-SG" sz="1050" dirty="0">
-              <a:solidFill>
-                <a:schemeClr val="bg1"/>
-              </a:solidFill>
-            </a:endParaRPr>
           </a:p>
         </p:txBody>
       </p:sp>
@@ -4808,8 +4796,8 @@
         </p:nvSpPr>
         <p:spPr>
           <a:xfrm>
-            <a:off x="3186326" y="3190882"/>
-            <a:ext cx="731636" cy="283820"/>
+            <a:off x="2614028" y="3561494"/>
+            <a:ext cx="866895" cy="387027"/>
           </a:xfrm>
           <a:prstGeom prst="rect">
             <a:avLst/>
@@ -4850,18 +4838,13 @@
           <a:p>
             <a:pPr algn="ctr"/>
             <a:r>
-              <a:rPr lang="en-SG" sz="1050" dirty="0" err="1">
+              <a:rPr lang="en-SG" sz="1050" dirty="0">
                 <a:solidFill>
                   <a:schemeClr val="bg1"/>
                 </a:solidFill>
               </a:rPr>
               <a:t>ParserUtil</a:t>
             </a:r>
-            <a:endParaRPr lang="en-SG" sz="1050" dirty="0">
-              <a:solidFill>
-                <a:schemeClr val="bg1"/>
-              </a:solidFill>
-            </a:endParaRPr>
           </a:p>
         </p:txBody>
       </p:sp>
@@ -4877,8 +4860,8 @@
         </p:nvCxnSpPr>
         <p:spPr>
           <a:xfrm rot="10800000">
-            <a:off x="2601618" y="2629061"/>
-            <a:ext cx="584708" cy="354574"/>
+            <a:off x="1921224" y="2795374"/>
+            <a:ext cx="692804" cy="483510"/>
           </a:xfrm>
           <a:prstGeom prst="bentConnector2">
             <a:avLst/>
@@ -4923,8 +4906,8 @@
         </p:nvCxnSpPr>
         <p:spPr>
           <a:xfrm rot="10800000" flipV="1">
-            <a:off x="2601618" y="2036175"/>
-            <a:ext cx="572596" cy="418306"/>
+            <a:off x="1921224" y="1986893"/>
+            <a:ext cx="678453" cy="570417"/>
           </a:xfrm>
           <a:prstGeom prst="bentConnector2">
             <a:avLst/>
@@ -4965,8 +4948,8 @@
         </p:nvGrpSpPr>
         <p:grpSpPr>
           <a:xfrm rot="10800000">
-            <a:off x="4687086" y="3784757"/>
-            <a:ext cx="555486" cy="254462"/>
+            <a:off x="4392236" y="4371323"/>
+            <a:ext cx="658180" cy="346994"/>
             <a:chOff x="3703306" y="644022"/>
             <a:chExt cx="555486" cy="230832"/>
           </a:xfrm>
@@ -5070,8 +5053,8 @@
         </p:nvSpPr>
         <p:spPr>
           <a:xfrm flipV="1">
-            <a:off x="7380585" y="3980475"/>
-            <a:ext cx="270504" cy="175523"/>
+            <a:off x="7583688" y="4638211"/>
+            <a:ext cx="320513" cy="239350"/>
           </a:xfrm>
           <a:prstGeom prst="triangle">
             <a:avLst/>
@@ -5127,8 +5110,8 @@
         </p:nvCxnSpPr>
         <p:spPr>
           <a:xfrm rot="5400000" flipH="1" flipV="1">
-            <a:off x="7069056" y="3533694"/>
-            <a:ext cx="893563" cy="12700"/>
+            <a:off x="7134697" y="4030100"/>
+            <a:ext cx="1218495" cy="15048"/>
           </a:xfrm>
           <a:prstGeom prst="bentConnector3">
             <a:avLst>
@@ -5167,8 +5150,8 @@
         </p:nvCxnSpPr>
         <p:spPr>
           <a:xfrm flipV="1">
-            <a:off x="6066326" y="2913532"/>
-            <a:ext cx="811948" cy="659"/>
+            <a:off x="6026459" y="3183289"/>
+            <a:ext cx="962054" cy="899"/>
           </a:xfrm>
           <a:prstGeom prst="bentConnector3">
             <a:avLst>
@@ -5210,8 +5193,8 @@
         </p:nvSpPr>
         <p:spPr>
           <a:xfrm>
-            <a:off x="3174214" y="2370131"/>
-            <a:ext cx="750156" cy="340758"/>
+            <a:off x="2599677" y="2442288"/>
+            <a:ext cx="888839" cy="464670"/>
           </a:xfrm>
           <a:prstGeom prst="rect">
             <a:avLst/>
@@ -5289,8 +5272,8 @@
         </p:nvCxnSpPr>
         <p:spPr>
           <a:xfrm rot="10800000" flipV="1">
-            <a:off x="2964740" y="2540509"/>
-            <a:ext cx="209475" cy="1261"/>
+            <a:off x="2351477" y="2674621"/>
+            <a:ext cx="248201" cy="1720"/>
           </a:xfrm>
           <a:prstGeom prst="bentConnector3">
             <a:avLst>
@@ -5337,8 +5320,8 @@
         </p:nvCxnSpPr>
         <p:spPr>
           <a:xfrm rot="5400000">
-            <a:off x="3469242" y="2289605"/>
-            <a:ext cx="160576" cy="476"/>
+            <a:off x="2934895" y="2332522"/>
+            <a:ext cx="218967" cy="564"/>
           </a:xfrm>
           <a:prstGeom prst="bentConnector3">
             <a:avLst>
@@ -5381,8 +5364,8 @@
         </p:nvSpPr>
         <p:spPr>
           <a:xfrm>
-            <a:off x="1295065" y="4183424"/>
-            <a:ext cx="805984" cy="346760"/>
+            <a:off x="373126" y="4914960"/>
+            <a:ext cx="954988" cy="472855"/>
           </a:xfrm>
           <a:prstGeom prst="rect">
             <a:avLst/>
@@ -5451,8 +5434,8 @@
         </p:nvCxnSpPr>
         <p:spPr>
           <a:xfrm>
-            <a:off x="1971157" y="3939492"/>
-            <a:ext cx="2022" cy="240622"/>
+            <a:off x="1174208" y="4582325"/>
+            <a:ext cx="2396" cy="328121"/>
           </a:xfrm>
           <a:prstGeom prst="straightConnector1">
             <a:avLst/>
@@ -5489,8 +5472,8 @@
         </p:nvSpPr>
         <p:spPr>
           <a:xfrm>
-            <a:off x="1773980" y="4000395"/>
-            <a:ext cx="131116" cy="230832"/>
+            <a:off x="940579" y="4665375"/>
+            <a:ext cx="155356" cy="314771"/>
           </a:xfrm>
           <a:prstGeom prst="rect">
             <a:avLst/>
@@ -5534,8 +5517,8 @@
         </p:nvSpPr>
         <p:spPr>
           <a:xfrm flipH="1">
-            <a:off x="4826855" y="1977340"/>
-            <a:ext cx="998702" cy="346760"/>
+            <a:off x="4557845" y="1906664"/>
+            <a:ext cx="1183334" cy="472855"/>
           </a:xfrm>
           <a:prstGeom prst="rect">
             <a:avLst/>
@@ -5600,8 +5583,8 @@
         </p:nvSpPr>
         <p:spPr>
           <a:xfrm flipH="1">
-            <a:off x="5190954" y="2324100"/>
-            <a:ext cx="270504" cy="175523"/>
+            <a:off x="4989255" y="2379518"/>
+            <a:ext cx="320513" cy="239350"/>
           </a:xfrm>
           <a:prstGeom prst="triangle">
             <a:avLst/>
@@ -5645,8 +5628,8 @@
         </p:nvGrpSpPr>
         <p:grpSpPr>
           <a:xfrm rot="5400000">
-            <a:off x="6371505" y="2788428"/>
-            <a:ext cx="222304" cy="598286"/>
+            <a:off x="6368187" y="3066169"/>
+            <a:ext cx="303142" cy="708892"/>
             <a:chOff x="3965759" y="592436"/>
             <a:chExt cx="254462" cy="503902"/>
           </a:xfrm>
@@ -5750,8 +5733,8 @@
         </p:nvCxnSpPr>
         <p:spPr>
           <a:xfrm>
-            <a:off x="2893971" y="3687139"/>
-            <a:ext cx="361447" cy="0"/>
+            <a:off x="2267625" y="4238208"/>
+            <a:ext cx="428268" cy="0"/>
           </a:xfrm>
           <a:prstGeom prst="line">
             <a:avLst/>
@@ -5792,8 +5775,8 @@
         </p:nvCxnSpPr>
         <p:spPr>
           <a:xfrm rot="10800000">
-            <a:off x="3925321" y="2036176"/>
-            <a:ext cx="1018260" cy="877357"/>
+            <a:off x="3489642" y="1986895"/>
+            <a:ext cx="1206508" cy="1196396"/>
           </a:xfrm>
           <a:prstGeom prst="bentConnector3">
             <a:avLst>
@@ -5839,8 +5822,8 @@
         </p:nvCxnSpPr>
         <p:spPr>
           <a:xfrm rot="10800000">
-            <a:off x="3921980" y="2540531"/>
-            <a:ext cx="675421" cy="373661"/>
+            <a:off x="3485684" y="2674651"/>
+            <a:ext cx="800287" cy="509538"/>
           </a:xfrm>
           <a:prstGeom prst="bentConnector3">
             <a:avLst>
@@ -5886,8 +5869,8 @@
         </p:nvCxnSpPr>
         <p:spPr>
           <a:xfrm rot="10800000" flipV="1">
-            <a:off x="3926196" y="2914191"/>
-            <a:ext cx="671204" cy="108168"/>
+            <a:off x="3490679" y="3184188"/>
+            <a:ext cx="795291" cy="147502"/>
           </a:xfrm>
           <a:prstGeom prst="bentConnector3">
             <a:avLst>
@@ -5933,8 +5916,8 @@
         </p:nvCxnSpPr>
         <p:spPr>
           <a:xfrm rot="10800000" flipV="1">
-            <a:off x="3930438" y="2914191"/>
-            <a:ext cx="666963" cy="439870"/>
+            <a:off x="3495705" y="3184188"/>
+            <a:ext cx="790266" cy="599823"/>
           </a:xfrm>
           <a:prstGeom prst="bentConnector3">
             <a:avLst>
@@ -5980,8 +5963,8 @@
         </p:nvCxnSpPr>
         <p:spPr>
           <a:xfrm flipV="1">
-            <a:off x="4300741" y="3087571"/>
-            <a:ext cx="1031122" cy="659673"/>
+            <a:off x="3934467" y="3420615"/>
+            <a:ext cx="1221747" cy="899554"/>
           </a:xfrm>
           <a:prstGeom prst="bentConnector2">
             <a:avLst/>
@@ -6023,8 +6006,8 @@
         </p:nvCxnSpPr>
         <p:spPr>
           <a:xfrm rot="10800000" flipV="1">
-            <a:off x="5331863" y="2505885"/>
-            <a:ext cx="235120" cy="234926"/>
+            <a:off x="5156215" y="2627407"/>
+            <a:ext cx="278587" cy="320354"/>
           </a:xfrm>
           <a:prstGeom prst="bentConnector2">
             <a:avLst/>
@@ -6061,8 +6044,8 @@
         </p:nvSpPr>
         <p:spPr>
           <a:xfrm>
-            <a:off x="6263128" y="1828800"/>
-            <a:ext cx="1966472" cy="774450"/>
+            <a:off x="6259644" y="1704109"/>
+            <a:ext cx="2330017" cy="1056068"/>
           </a:xfrm>
           <a:prstGeom prst="foldedCorner">
             <a:avLst/>
@@ -6113,47 +6096,7 @@
                   <a:schemeClr val="bg1"/>
                 </a:solidFill>
               </a:rPr>
-              <a:t>Calendar</a:t>
-            </a:r>
-            <a:r>
-              <a:rPr lang="en-US" sz="1050" dirty="0" smtClean="0">
-                <a:solidFill>
-                  <a:schemeClr val="bg1"/>
-                </a:solidFill>
-              </a:rPr>
-              <a:t>Command </a:t>
-            </a:r>
-            <a:r>
-              <a:rPr lang="en-US" sz="1050" dirty="0" smtClean="0">
-                <a:solidFill>
-                  <a:schemeClr val="bg1"/>
-                </a:solidFill>
-              </a:rPr>
-              <a:t>= </a:t>
-            </a:r>
-            <a:r>
-              <a:rPr lang="en-US" sz="1050" dirty="0" smtClean="0">
-                <a:solidFill>
-                  <a:schemeClr val="bg1"/>
-                </a:solidFill>
-              </a:rPr>
-              <a:t>CalendarAddCommand</a:t>
-            </a:r>
-            <a:r>
-              <a:rPr lang="en-US" sz="1050" dirty="0" smtClean="0">
-                <a:solidFill>
-                  <a:schemeClr val="bg1"/>
-                </a:solidFill>
-              </a:rPr>
-              <a:t>, </a:t>
-            </a:r>
-            <a:r>
-              <a:rPr lang="en-US" sz="1050" dirty="0" smtClean="0">
-                <a:solidFill>
-                  <a:schemeClr val="bg1"/>
-                </a:solidFill>
-              </a:rPr>
-              <a:t>CalendarDeleteCommand,</a:t>
+              <a:t>CalendarCommand = CalendarAddCommand, CalendarDeleteCommand,</a:t>
             </a:r>
           </a:p>
           <a:p>
@@ -6182,8 +6125,8 @@
         </p:nvSpPr>
         <p:spPr>
           <a:xfrm>
-            <a:off x="2334221" y="3058789"/>
-            <a:ext cx="758695" cy="346760"/>
+            <a:off x="1604393" y="3381367"/>
+            <a:ext cx="898956" cy="472855"/>
           </a:xfrm>
           <a:prstGeom prst="rect">
             <a:avLst/>
@@ -6218,18 +6161,13 @@
           <a:p>
             <a:pPr algn="ctr"/>
             <a:r>
-              <a:rPr lang="en-US" sz="1050" dirty="0" err="1" smtClean="0">
+              <a:rPr lang="en-US" sz="1050" dirty="0" smtClean="0">
                 <a:solidFill>
                   <a:schemeClr val="bg1"/>
                 </a:solidFill>
               </a:rPr>
               <a:t>UndoRedo</a:t>
             </a:r>
-            <a:endParaRPr lang="en-US" sz="1050" dirty="0" smtClean="0">
-              <a:solidFill>
-                <a:schemeClr val="bg1"/>
-              </a:solidFill>
-            </a:endParaRPr>
           </a:p>
           <a:p>
             <a:pPr algn="ctr"/>
@@ -6259,8 +6197,8 @@
         </p:nvCxnSpPr>
         <p:spPr>
           <a:xfrm flipV="1">
-            <a:off x="2713568" y="3405549"/>
-            <a:ext cx="1" cy="177981"/>
+            <a:off x="2053870" y="3854221"/>
+            <a:ext cx="1" cy="242701"/>
           </a:xfrm>
           <a:prstGeom prst="straightConnector1">
             <a:avLst/>
@@ -6297,8 +6235,8 @@
         </p:nvSpPr>
         <p:spPr>
           <a:xfrm>
-            <a:off x="2724741" y="3418256"/>
-            <a:ext cx="131116" cy="230832"/>
+            <a:off x="2067109" y="3871549"/>
+            <a:ext cx="155356" cy="314771"/>
           </a:xfrm>
           <a:prstGeom prst="rect">
             <a:avLst/>
@@ -6336,8 +6274,8 @@
         </p:nvSpPr>
         <p:spPr>
           <a:xfrm flipH="1">
-            <a:off x="4597400" y="2740811"/>
-            <a:ext cx="1468926" cy="346760"/>
+            <a:off x="4285970" y="2947760"/>
+            <a:ext cx="1740489" cy="472855"/>
           </a:xfrm>
           <a:prstGeom prst="rect">
             <a:avLst/>
@@ -6375,15 +6313,7 @@
                   <a:schemeClr val="bg1"/>
                 </a:solidFill>
               </a:rPr>
-              <a:t>Calendar</a:t>
-            </a:r>
-            <a:r>
-              <a:rPr lang="en-US" sz="1050" b="1" dirty="0" smtClean="0">
-                <a:solidFill>
-                  <a:schemeClr val="bg1"/>
-                </a:solidFill>
-              </a:rPr>
-              <a:t>Command</a:t>
+              <a:t>CalendarCommand</a:t>
             </a:r>
             <a:endParaRPr lang="en-US" sz="1050" b="1" dirty="0">
               <a:solidFill>
@@ -6409,10 +6339,2425 @@
           </a:p>
         </p:txBody>
       </p:sp>
+      <p:cxnSp>
+        <p:nvCxnSpPr>
+          <p:cNvPr id="119" name="Elbow Connector 63"/>
+          <p:cNvCxnSpPr>
+            <a:cxnSpLocks/>
+          </p:cNvCxnSpPr>
+          <p:nvPr/>
+        </p:nvCxnSpPr>
+        <p:spPr>
+          <a:xfrm>
+            <a:off x="4655070" y="4266710"/>
+            <a:ext cx="900000" cy="0"/>
+          </a:xfrm>
+          <a:prstGeom prst="bentConnector3">
+            <a:avLst>
+              <a:gd name="adj1" fmla="val 50000"/>
+            </a:avLst>
+          </a:prstGeom>
+          <a:ln w="19050">
+            <a:solidFill>
+              <a:schemeClr val="accent5">
+                <a:lumMod val="75000"/>
+              </a:schemeClr>
+            </a:solidFill>
+            <a:prstDash val="sysDot"/>
+            <a:headEnd type="none" w="med" len="med"/>
+            <a:tailEnd type="arrow" w="med" len="med"/>
+          </a:ln>
+          <a:effectLst/>
+        </p:spPr>
+        <p:style>
+          <a:lnRef idx="1">
+            <a:schemeClr val="accent2"/>
+          </a:lnRef>
+          <a:fillRef idx="2">
+            <a:schemeClr val="accent2"/>
+          </a:fillRef>
+          <a:effectRef idx="1">
+            <a:schemeClr val="accent2"/>
+          </a:effectRef>
+          <a:fontRef idx="minor">
+            <a:schemeClr val="dk1"/>
+          </a:fontRef>
+        </p:style>
+      </p:cxnSp>
+      <p:grpSp>
+        <p:nvGrpSpPr>
+          <p:cNvPr id="120" name="Group 119"/>
+          <p:cNvGrpSpPr/>
+          <p:nvPr/>
+        </p:nvGrpSpPr>
+        <p:grpSpPr>
+          <a:xfrm rot="5400000">
+            <a:off x="5130596" y="4132880"/>
+            <a:ext cx="123458" cy="460363"/>
+            <a:chOff x="3965760" y="671602"/>
+            <a:chExt cx="162388" cy="424736"/>
+          </a:xfrm>
+        </p:grpSpPr>
+        <p:sp>
+          <p:nvSpPr>
+            <p:cNvPr id="121" name="TextBox 120"/>
+            <p:cNvSpPr txBox="1"/>
+            <p:nvPr/>
+          </p:nvSpPr>
+          <p:spPr>
+            <a:xfrm rot="16200000">
+              <a:off x="3834586" y="802776"/>
+              <a:ext cx="424736" cy="162388"/>
+            </a:xfrm>
+            <a:prstGeom prst="rect">
+              <a:avLst/>
+            </a:prstGeom>
+            <a:noFill/>
+          </p:spPr>
+          <p:txBody>
+            <a:bodyPr wrap="square" lIns="0" tIns="0" rIns="0" bIns="0" rtlCol="0">
+              <a:noAutofit/>
+            </a:bodyPr>
+            <a:lstStyle/>
+            <a:p>
+              <a:r>
+                <a:rPr lang="en-US" sz="800" dirty="0">
+                  <a:solidFill>
+                    <a:schemeClr val="accent5">
+                      <a:lumMod val="75000"/>
+                    </a:schemeClr>
+                  </a:solidFill>
+                </a:rPr>
+                <a:t>creates</a:t>
+              </a:r>
+              <a:endParaRPr lang="en-SG" sz="800" dirty="0">
+                <a:solidFill>
+                  <a:schemeClr val="accent5">
+                    <a:lumMod val="75000"/>
+                  </a:schemeClr>
+                </a:solidFill>
+              </a:endParaRPr>
+            </a:p>
+          </p:txBody>
+        </p:sp>
+        <p:sp>
+          <p:nvSpPr>
+            <p:cNvPr id="123" name="Isosceles Triangle 122"/>
+            <p:cNvSpPr/>
+            <p:nvPr/>
+          </p:nvSpPr>
+          <p:spPr>
+            <a:xfrm rot="10800000" flipV="1">
+              <a:off x="3995989" y="723487"/>
+              <a:ext cx="132159" cy="68049"/>
+            </a:xfrm>
+            <a:prstGeom prst="triangle">
+              <a:avLst/>
+            </a:prstGeom>
+            <a:solidFill>
+              <a:schemeClr val="accent5">
+                <a:lumMod val="75000"/>
+              </a:schemeClr>
+            </a:solidFill>
+            <a:ln>
+              <a:noFill/>
+            </a:ln>
+          </p:spPr>
+          <p:style>
+            <a:lnRef idx="2">
+              <a:schemeClr val="accent1">
+                <a:shade val="50000"/>
+              </a:schemeClr>
+            </a:lnRef>
+            <a:fillRef idx="1">
+              <a:schemeClr val="accent1"/>
+            </a:fillRef>
+            <a:effectRef idx="0">
+              <a:schemeClr val="accent1"/>
+            </a:effectRef>
+            <a:fontRef idx="minor">
+              <a:schemeClr val="lt1"/>
+            </a:fontRef>
+          </p:style>
+          <p:txBody>
+            <a:bodyPr rtlCol="0" anchor="ctr"/>
+            <a:lstStyle/>
+            <a:p>
+              <a:pPr algn="ctr"/>
+              <a:endParaRPr lang="en-SG"/>
+            </a:p>
+          </p:txBody>
+        </p:sp>
+      </p:grpSp>
+      <p:grpSp>
+        <p:nvGrpSpPr>
+          <p:cNvPr id="124" name="Group 123"/>
+          <p:cNvGrpSpPr/>
+          <p:nvPr/>
+        </p:nvGrpSpPr>
+        <p:grpSpPr>
+          <a:xfrm>
+            <a:off x="5555070" y="3636331"/>
+            <a:ext cx="1716200" cy="1207842"/>
+            <a:chOff x="5141800" y="2144958"/>
+            <a:chExt cx="1792400" cy="1207842"/>
+          </a:xfrm>
+        </p:grpSpPr>
+        <p:sp>
+          <p:nvSpPr>
+            <p:cNvPr id="125" name="Rectangle 11"/>
+            <p:cNvSpPr/>
+            <p:nvPr/>
+          </p:nvSpPr>
+          <p:spPr>
+            <a:xfrm flipH="1">
+              <a:off x="5141800" y="2144958"/>
+              <a:ext cx="1792400" cy="141946"/>
+            </a:xfrm>
+            <a:prstGeom prst="rect">
+              <a:avLst/>
+            </a:prstGeom>
+            <a:ln w="12700">
+              <a:solidFill>
+                <a:srgbClr val="00B050"/>
+              </a:solidFill>
+            </a:ln>
+          </p:spPr>
+          <p:style>
+            <a:lnRef idx="1">
+              <a:schemeClr val="accent3"/>
+            </a:lnRef>
+            <a:fillRef idx="2">
+              <a:schemeClr val="accent3"/>
+            </a:fillRef>
+            <a:effectRef idx="1">
+              <a:schemeClr val="accent3"/>
+            </a:effectRef>
+            <a:fontRef idx="minor">
+              <a:schemeClr val="dk1"/>
+            </a:fontRef>
+          </p:style>
+          <p:txBody>
+            <a:bodyPr rtlCol="0" anchor="ctr"/>
+            <a:lstStyle/>
+            <a:p>
+              <a:pPr algn="ctr"/>
+              <a:r>
+                <a:rPr lang="en-US" sz="700" b="1" dirty="0" smtClean="0">
+                  <a:solidFill>
+                    <a:srgbClr val="00B050"/>
+                  </a:solidFill>
+                </a:rPr>
+                <a:t>Calendar</a:t>
+              </a:r>
+              <a:endParaRPr lang="en-SG" sz="1050" b="1" dirty="0">
+                <a:solidFill>
+                  <a:srgbClr val="00B050"/>
+                </a:solidFill>
+              </a:endParaRPr>
+            </a:p>
+          </p:txBody>
+        </p:sp>
+        <p:sp>
+          <p:nvSpPr>
+            <p:cNvPr id="126" name="Rectangle 125"/>
+            <p:cNvSpPr/>
+            <p:nvPr/>
+          </p:nvSpPr>
+          <p:spPr>
+            <a:xfrm flipH="1">
+              <a:off x="5141800" y="2287808"/>
+              <a:ext cx="1792400" cy="141946"/>
+            </a:xfrm>
+            <a:prstGeom prst="rect">
+              <a:avLst/>
+            </a:prstGeom>
+            <a:ln w="12700">
+              <a:solidFill>
+                <a:srgbClr val="00B050"/>
+              </a:solidFill>
+            </a:ln>
+          </p:spPr>
+          <p:style>
+            <a:lnRef idx="1">
+              <a:schemeClr val="accent3"/>
+            </a:lnRef>
+            <a:fillRef idx="2">
+              <a:schemeClr val="accent3"/>
+            </a:fillRef>
+            <a:effectRef idx="1">
+              <a:schemeClr val="accent3"/>
+            </a:effectRef>
+            <a:fontRef idx="minor">
+              <a:schemeClr val="dk1"/>
+            </a:fontRef>
+          </p:style>
+          <p:txBody>
+            <a:bodyPr rtlCol="0" anchor="ctr"/>
+            <a:lstStyle/>
+            <a:p>
+              <a:pPr algn="ctr"/>
+              <a:r>
+                <a:rPr lang="en-US" sz="700" b="1" dirty="0" smtClean="0">
+                  <a:solidFill>
+                    <a:srgbClr val="00B050"/>
+                  </a:solidFill>
+                </a:rPr>
+                <a:t>eventIDs : ArrayList&lt;String&gt; = null</a:t>
+              </a:r>
+              <a:endParaRPr lang="en-SG" sz="1050" b="1" dirty="0">
+                <a:solidFill>
+                  <a:srgbClr val="00B050"/>
+                </a:solidFill>
+              </a:endParaRPr>
+            </a:p>
+          </p:txBody>
+        </p:sp>
+        <p:sp>
+          <p:nvSpPr>
+            <p:cNvPr id="128" name="Rectangle 11"/>
+            <p:cNvSpPr/>
+            <p:nvPr/>
+          </p:nvSpPr>
+          <p:spPr>
+            <a:xfrm flipH="1">
+              <a:off x="5141800" y="2444984"/>
+              <a:ext cx="1792400" cy="907816"/>
+            </a:xfrm>
+            <a:prstGeom prst="rect">
+              <a:avLst/>
+            </a:prstGeom>
+            <a:ln w="12700">
+              <a:solidFill>
+                <a:srgbClr val="00B050"/>
+              </a:solidFill>
+            </a:ln>
+          </p:spPr>
+          <p:style>
+            <a:lnRef idx="1">
+              <a:schemeClr val="accent3"/>
+            </a:lnRef>
+            <a:fillRef idx="2">
+              <a:schemeClr val="accent3"/>
+            </a:fillRef>
+            <a:effectRef idx="1">
+              <a:schemeClr val="accent3"/>
+            </a:effectRef>
+            <a:fontRef idx="minor">
+              <a:schemeClr val="dk1"/>
+            </a:fontRef>
+          </p:style>
+          <p:txBody>
+            <a:bodyPr rtlCol="0" anchor="ctr"/>
+            <a:lstStyle/>
+            <a:p>
+              <a:r>
+                <a:rPr lang="en-US" sz="700" b="1" dirty="0" smtClean="0">
+                  <a:solidFill>
+                    <a:srgbClr val="00B050"/>
+                  </a:solidFill>
+                </a:rPr>
+                <a:t>listEvents() : String</a:t>
+              </a:r>
+            </a:p>
+            <a:p>
+              <a:r>
+                <a:rPr lang="en-US" sz="700" b="1" dirty="0" smtClean="0">
+                  <a:solidFill>
+                    <a:srgbClr val="00B050"/>
+                  </a:solidFill>
+                </a:rPr>
+                <a:t>addEvent(</a:t>
+              </a:r>
+            </a:p>
+            <a:p>
+              <a:r>
+                <a:rPr lang="en-US" sz="700" b="1" dirty="0" smtClean="0">
+                  <a:solidFill>
+                    <a:srgbClr val="00B050"/>
+                  </a:solidFill>
+                </a:rPr>
+                <a:t>     eventName : String, </a:t>
+              </a:r>
+            </a:p>
+            <a:p>
+              <a:r>
+                <a:rPr lang="en-US" sz="700" b="1" dirty="0">
+                  <a:solidFill>
+                    <a:srgbClr val="00B050"/>
+                  </a:solidFill>
+                </a:rPr>
+                <a:t> </a:t>
+              </a:r>
+              <a:r>
+                <a:rPr lang="en-US" sz="700" b="1" dirty="0" smtClean="0">
+                  <a:solidFill>
+                    <a:srgbClr val="00B050"/>
+                  </a:solidFill>
+                </a:rPr>
+                <a:t>    eventLocation : String,</a:t>
+              </a:r>
+            </a:p>
+            <a:p>
+              <a:r>
+                <a:rPr lang="en-US" sz="700" b="1" dirty="0" smtClean="0">
+                  <a:solidFill>
+                    <a:srgbClr val="00B050"/>
+                  </a:solidFill>
+                </a:rPr>
+                <a:t>     startDateTime : DateTime,     </a:t>
+              </a:r>
+            </a:p>
+            <a:p>
+              <a:r>
+                <a:rPr lang="en-US" sz="700" b="1" dirty="0" smtClean="0">
+                  <a:solidFill>
+                    <a:srgbClr val="00B050"/>
+                  </a:solidFill>
+                </a:rPr>
+                <a:t>     endDateTime : DateTime</a:t>
+              </a:r>
+            </a:p>
+            <a:p>
+              <a:r>
+                <a:rPr lang="en-US" sz="700" b="1" dirty="0" smtClean="0">
+                  <a:solidFill>
+                    <a:srgbClr val="00B050"/>
+                  </a:solidFill>
+                </a:rPr>
+                <a:t>) : String</a:t>
+              </a:r>
+            </a:p>
+            <a:p>
+              <a:r>
+                <a:rPr lang="en-US" sz="700" b="1" dirty="0" smtClean="0">
+                  <a:solidFill>
+                    <a:srgbClr val="00B050"/>
+                  </a:solidFill>
+                </a:rPr>
+                <a:t>delEvent( eventArrayId : String ) : String</a:t>
+              </a:r>
+              <a:endParaRPr lang="en-SG" sz="1050" b="1" dirty="0">
+                <a:solidFill>
+                  <a:srgbClr val="00B050"/>
+                </a:solidFill>
+              </a:endParaRPr>
+            </a:p>
+          </p:txBody>
+        </p:sp>
+      </p:grpSp>
     </p:spTree>
     <p:extLst>
       <p:ext uri="{BB962C8B-B14F-4D97-AF65-F5344CB8AC3E}">
         <p14:creationId xmlns:p14="http://schemas.microsoft.com/office/powerpoint/2010/main" val="211586602"/>
+      </p:ext>
+    </p:extLst>
+  </p:cSld>
+  <p:clrMapOvr>
+    <a:masterClrMapping/>
+  </p:clrMapOvr>
+</p:sld>
+</file>
+
+<file path=ppt/slides/slide2.xml><?xml version="1.0" encoding="utf-8"?>
+<p:sld xmlns:a="http://schemas.openxmlformats.org/drawingml/2006/main" xmlns:r="http://schemas.openxmlformats.org/officeDocument/2006/relationships" xmlns:p="http://schemas.openxmlformats.org/presentationml/2006/main">
+  <p:cSld>
+    <p:spTree>
+      <p:nvGrpSpPr>
+        <p:cNvPr id="1" name=""/>
+        <p:cNvGrpSpPr/>
+        <p:nvPr/>
+      </p:nvGrpSpPr>
+      <p:grpSpPr>
+        <a:xfrm>
+          <a:off x="0" y="0"/>
+          <a:ext cx="0" cy="0"/>
+          <a:chOff x="0" y="0"/>
+          <a:chExt cx="0" cy="0"/>
+        </a:xfrm>
+      </p:grpSpPr>
+      <p:cxnSp>
+        <p:nvCxnSpPr>
+          <p:cNvPr id="3" name="Elbow Connector 63"/>
+          <p:cNvCxnSpPr>
+            <a:cxnSpLocks/>
+          </p:cNvCxnSpPr>
+          <p:nvPr/>
+        </p:nvCxnSpPr>
+        <p:spPr>
+          <a:xfrm>
+            <a:off x="3824397" y="2286904"/>
+            <a:ext cx="954658" cy="12700"/>
+          </a:xfrm>
+          <a:prstGeom prst="bentConnector3">
+            <a:avLst>
+              <a:gd name="adj1" fmla="val 93901"/>
+            </a:avLst>
+          </a:prstGeom>
+          <a:ln w="19050">
+            <a:solidFill>
+              <a:schemeClr val="accent5">
+                <a:lumMod val="75000"/>
+              </a:schemeClr>
+            </a:solidFill>
+            <a:prstDash val="sysDot"/>
+            <a:headEnd type="none" w="med" len="med"/>
+            <a:tailEnd type="arrow" w="med" len="med"/>
+          </a:ln>
+          <a:effectLst/>
+        </p:spPr>
+        <p:style>
+          <a:lnRef idx="1">
+            <a:schemeClr val="accent2"/>
+          </a:lnRef>
+          <a:fillRef idx="2">
+            <a:schemeClr val="accent2"/>
+          </a:fillRef>
+          <a:effectRef idx="1">
+            <a:schemeClr val="accent2"/>
+          </a:effectRef>
+          <a:fontRef idx="minor">
+            <a:schemeClr val="dk1"/>
+          </a:fontRef>
+        </p:style>
+      </p:cxnSp>
+      <p:grpSp>
+        <p:nvGrpSpPr>
+          <p:cNvPr id="4" name="Group 3"/>
+          <p:cNvGrpSpPr/>
+          <p:nvPr/>
+        </p:nvGrpSpPr>
+        <p:grpSpPr>
+          <a:xfrm rot="5400000">
+            <a:off x="4509535" y="1895571"/>
+            <a:ext cx="123458" cy="460363"/>
+            <a:chOff x="3627058" y="863312"/>
+            <a:chExt cx="162388" cy="424736"/>
+          </a:xfrm>
+        </p:grpSpPr>
+        <p:sp>
+          <p:nvSpPr>
+            <p:cNvPr id="5" name="TextBox 4"/>
+            <p:cNvSpPr txBox="1"/>
+            <p:nvPr/>
+          </p:nvSpPr>
+          <p:spPr>
+            <a:xfrm rot="16200000">
+              <a:off x="3495884" y="994486"/>
+              <a:ext cx="424736" cy="162388"/>
+            </a:xfrm>
+            <a:prstGeom prst="rect">
+              <a:avLst/>
+            </a:prstGeom>
+            <a:noFill/>
+          </p:spPr>
+          <p:txBody>
+            <a:bodyPr wrap="square" lIns="0" tIns="0" rIns="0" bIns="0" rtlCol="0">
+              <a:noAutofit/>
+            </a:bodyPr>
+            <a:lstStyle/>
+            <a:p>
+              <a:r>
+                <a:rPr lang="en-US" sz="800" dirty="0">
+                  <a:solidFill>
+                    <a:schemeClr val="accent5">
+                      <a:lumMod val="75000"/>
+                    </a:schemeClr>
+                  </a:solidFill>
+                </a:rPr>
+                <a:t>creates</a:t>
+              </a:r>
+              <a:endParaRPr lang="en-SG" sz="800" dirty="0">
+                <a:solidFill>
+                  <a:schemeClr val="accent5">
+                    <a:lumMod val="75000"/>
+                  </a:schemeClr>
+                </a:solidFill>
+              </a:endParaRPr>
+            </a:p>
+          </p:txBody>
+        </p:sp>
+        <p:sp>
+          <p:nvSpPr>
+            <p:cNvPr id="6" name="Isosceles Triangle 5"/>
+            <p:cNvSpPr/>
+            <p:nvPr/>
+          </p:nvSpPr>
+          <p:spPr>
+            <a:xfrm rot="10800000" flipV="1">
+              <a:off x="3657286" y="917821"/>
+              <a:ext cx="132159" cy="68049"/>
+            </a:xfrm>
+            <a:prstGeom prst="triangle">
+              <a:avLst/>
+            </a:prstGeom>
+            <a:solidFill>
+              <a:schemeClr val="accent5">
+                <a:lumMod val="75000"/>
+              </a:schemeClr>
+            </a:solidFill>
+            <a:ln>
+              <a:noFill/>
+            </a:ln>
+          </p:spPr>
+          <p:style>
+            <a:lnRef idx="2">
+              <a:schemeClr val="accent1">
+                <a:shade val="50000"/>
+              </a:schemeClr>
+            </a:lnRef>
+            <a:fillRef idx="1">
+              <a:schemeClr val="accent1"/>
+            </a:fillRef>
+            <a:effectRef idx="0">
+              <a:schemeClr val="accent1"/>
+            </a:effectRef>
+            <a:fontRef idx="minor">
+              <a:schemeClr val="lt1"/>
+            </a:fontRef>
+          </p:style>
+          <p:txBody>
+            <a:bodyPr rtlCol="0" anchor="ctr"/>
+            <a:lstStyle/>
+            <a:p>
+              <a:pPr algn="ctr"/>
+              <a:endParaRPr lang="en-SG"/>
+            </a:p>
+          </p:txBody>
+        </p:sp>
+      </p:grpSp>
+      <p:cxnSp>
+        <p:nvCxnSpPr>
+          <p:cNvPr id="25" name="Elbow Connector 63"/>
+          <p:cNvCxnSpPr>
+            <a:cxnSpLocks/>
+            <a:stCxn id="14" idx="2"/>
+          </p:cNvCxnSpPr>
+          <p:nvPr/>
+        </p:nvCxnSpPr>
+        <p:spPr>
+          <a:xfrm rot="16200000" flipH="1">
+            <a:off x="5357880" y="3237146"/>
+            <a:ext cx="617274" cy="1"/>
+          </a:xfrm>
+          <a:prstGeom prst="bentConnector3">
+            <a:avLst>
+              <a:gd name="adj1" fmla="val 50000"/>
+            </a:avLst>
+          </a:prstGeom>
+          <a:ln w="19050">
+            <a:solidFill>
+              <a:schemeClr val="accent5">
+                <a:lumMod val="75000"/>
+              </a:schemeClr>
+            </a:solidFill>
+            <a:prstDash val="sysDot"/>
+            <a:headEnd type="none" w="med" len="med"/>
+            <a:tailEnd type="arrow" w="med" len="med"/>
+          </a:ln>
+          <a:effectLst/>
+        </p:spPr>
+        <p:style>
+          <a:lnRef idx="1">
+            <a:schemeClr val="accent2"/>
+          </a:lnRef>
+          <a:fillRef idx="2">
+            <a:schemeClr val="accent2"/>
+          </a:fillRef>
+          <a:effectRef idx="1">
+            <a:schemeClr val="accent2"/>
+          </a:effectRef>
+          <a:fontRef idx="minor">
+            <a:schemeClr val="dk1"/>
+          </a:fontRef>
+        </p:style>
+      </p:cxnSp>
+      <p:grpSp>
+        <p:nvGrpSpPr>
+          <p:cNvPr id="10" name="Group 9"/>
+          <p:cNvGrpSpPr/>
+          <p:nvPr/>
+        </p:nvGrpSpPr>
+        <p:grpSpPr>
+          <a:xfrm>
+            <a:off x="4808416" y="1720668"/>
+            <a:ext cx="1716201" cy="1207842"/>
+            <a:chOff x="5141799" y="2144958"/>
+            <a:chExt cx="1792401" cy="1207842"/>
+          </a:xfrm>
+        </p:grpSpPr>
+        <p:sp>
+          <p:nvSpPr>
+            <p:cNvPr id="11" name="Rectangle 11"/>
+            <p:cNvSpPr/>
+            <p:nvPr/>
+          </p:nvSpPr>
+          <p:spPr>
+            <a:xfrm flipH="1">
+              <a:off x="5141799" y="2144958"/>
+              <a:ext cx="1792400" cy="141946"/>
+            </a:xfrm>
+            <a:prstGeom prst="rect">
+              <a:avLst/>
+            </a:prstGeom>
+            <a:ln w="12700">
+              <a:solidFill>
+                <a:srgbClr val="00B050"/>
+              </a:solidFill>
+            </a:ln>
+          </p:spPr>
+          <p:style>
+            <a:lnRef idx="1">
+              <a:schemeClr val="accent3"/>
+            </a:lnRef>
+            <a:fillRef idx="2">
+              <a:schemeClr val="accent3"/>
+            </a:fillRef>
+            <a:effectRef idx="1">
+              <a:schemeClr val="accent3"/>
+            </a:effectRef>
+            <a:fontRef idx="minor">
+              <a:schemeClr val="dk1"/>
+            </a:fontRef>
+          </p:style>
+          <p:txBody>
+            <a:bodyPr rtlCol="0" anchor="ctr"/>
+            <a:lstStyle/>
+            <a:p>
+              <a:pPr algn="ctr"/>
+              <a:r>
+                <a:rPr lang="en-US" sz="700" b="1" dirty="0" smtClean="0">
+                  <a:solidFill>
+                    <a:srgbClr val="00B050"/>
+                  </a:solidFill>
+                </a:rPr>
+                <a:t>Calendar</a:t>
+              </a:r>
+              <a:endParaRPr lang="en-SG" sz="1050" b="1" dirty="0">
+                <a:solidFill>
+                  <a:srgbClr val="00B050"/>
+                </a:solidFill>
+              </a:endParaRPr>
+            </a:p>
+          </p:txBody>
+        </p:sp>
+        <p:sp>
+          <p:nvSpPr>
+            <p:cNvPr id="12" name="Rectangle 11"/>
+            <p:cNvSpPr/>
+            <p:nvPr/>
+          </p:nvSpPr>
+          <p:spPr>
+            <a:xfrm flipH="1">
+              <a:off x="5141800" y="2287808"/>
+              <a:ext cx="1792400" cy="141946"/>
+            </a:xfrm>
+            <a:prstGeom prst="rect">
+              <a:avLst/>
+            </a:prstGeom>
+            <a:ln w="12700">
+              <a:solidFill>
+                <a:srgbClr val="00B050"/>
+              </a:solidFill>
+            </a:ln>
+          </p:spPr>
+          <p:style>
+            <a:lnRef idx="1">
+              <a:schemeClr val="accent3"/>
+            </a:lnRef>
+            <a:fillRef idx="2">
+              <a:schemeClr val="accent3"/>
+            </a:fillRef>
+            <a:effectRef idx="1">
+              <a:schemeClr val="accent3"/>
+            </a:effectRef>
+            <a:fontRef idx="minor">
+              <a:schemeClr val="dk1"/>
+            </a:fontRef>
+          </p:style>
+          <p:txBody>
+            <a:bodyPr rtlCol="0" anchor="ctr"/>
+            <a:lstStyle/>
+            <a:p>
+              <a:pPr algn="ctr"/>
+              <a:r>
+                <a:rPr lang="en-US" sz="700" b="1" dirty="0" smtClean="0">
+                  <a:solidFill>
+                    <a:srgbClr val="00B050"/>
+                  </a:solidFill>
+                </a:rPr>
+                <a:t>eventIDs : ArrayList&lt;String&gt; = null</a:t>
+              </a:r>
+              <a:endParaRPr lang="en-SG" sz="1050" b="1" dirty="0">
+                <a:solidFill>
+                  <a:srgbClr val="00B050"/>
+                </a:solidFill>
+              </a:endParaRPr>
+            </a:p>
+          </p:txBody>
+        </p:sp>
+        <p:sp>
+          <p:nvSpPr>
+            <p:cNvPr id="14" name="Rectangle 11"/>
+            <p:cNvSpPr/>
+            <p:nvPr/>
+          </p:nvSpPr>
+          <p:spPr>
+            <a:xfrm flipH="1">
+              <a:off x="5141800" y="2444984"/>
+              <a:ext cx="1792400" cy="907816"/>
+            </a:xfrm>
+            <a:prstGeom prst="rect">
+              <a:avLst/>
+            </a:prstGeom>
+            <a:ln w="12700">
+              <a:solidFill>
+                <a:srgbClr val="00B050"/>
+              </a:solidFill>
+            </a:ln>
+          </p:spPr>
+          <p:style>
+            <a:lnRef idx="1">
+              <a:schemeClr val="accent3"/>
+            </a:lnRef>
+            <a:fillRef idx="2">
+              <a:schemeClr val="accent3"/>
+            </a:fillRef>
+            <a:effectRef idx="1">
+              <a:schemeClr val="accent3"/>
+            </a:effectRef>
+            <a:fontRef idx="minor">
+              <a:schemeClr val="dk1"/>
+            </a:fontRef>
+          </p:style>
+          <p:txBody>
+            <a:bodyPr rtlCol="0" anchor="ctr"/>
+            <a:lstStyle/>
+            <a:p>
+              <a:r>
+                <a:rPr lang="en-US" sz="700" b="1" dirty="0" smtClean="0">
+                  <a:solidFill>
+                    <a:srgbClr val="00B050"/>
+                  </a:solidFill>
+                </a:rPr>
+                <a:t>listEvents() : String</a:t>
+              </a:r>
+            </a:p>
+            <a:p>
+              <a:r>
+                <a:rPr lang="en-US" sz="700" b="1" dirty="0" smtClean="0">
+                  <a:solidFill>
+                    <a:srgbClr val="00B050"/>
+                  </a:solidFill>
+                </a:rPr>
+                <a:t>addEvent(</a:t>
+              </a:r>
+            </a:p>
+            <a:p>
+              <a:r>
+                <a:rPr lang="en-US" sz="700" b="1" dirty="0" smtClean="0">
+                  <a:solidFill>
+                    <a:srgbClr val="00B050"/>
+                  </a:solidFill>
+                </a:rPr>
+                <a:t>     String eventName, </a:t>
+              </a:r>
+            </a:p>
+            <a:p>
+              <a:r>
+                <a:rPr lang="en-US" sz="700" b="1" dirty="0" smtClean="0">
+                  <a:solidFill>
+                    <a:srgbClr val="00B050"/>
+                  </a:solidFill>
+                </a:rPr>
+                <a:t>     String eventLocation,</a:t>
+              </a:r>
+            </a:p>
+            <a:p>
+              <a:r>
+                <a:rPr lang="en-US" sz="700" b="1" dirty="0" smtClean="0">
+                  <a:solidFill>
+                    <a:srgbClr val="00B050"/>
+                  </a:solidFill>
+                </a:rPr>
+                <a:t>     DateTime startDateTime,     </a:t>
+              </a:r>
+            </a:p>
+            <a:p>
+              <a:r>
+                <a:rPr lang="en-US" sz="700" b="1" dirty="0" smtClean="0">
+                  <a:solidFill>
+                    <a:srgbClr val="00B050"/>
+                  </a:solidFill>
+                </a:rPr>
+                <a:t>     </a:t>
+              </a:r>
+              <a:r>
+                <a:rPr lang="en-US" sz="700" b="1" dirty="0">
+                  <a:solidFill>
+                    <a:srgbClr val="00B050"/>
+                  </a:solidFill>
+                </a:rPr>
+                <a:t>DateTime </a:t>
+              </a:r>
+              <a:r>
+                <a:rPr lang="en-US" sz="700" b="1" dirty="0" smtClean="0">
+                  <a:solidFill>
+                    <a:srgbClr val="00B050"/>
+                  </a:solidFill>
+                </a:rPr>
+                <a:t>endDateTime</a:t>
+              </a:r>
+            </a:p>
+            <a:p>
+              <a:r>
+                <a:rPr lang="en-US" sz="700" b="1" dirty="0" smtClean="0">
+                  <a:solidFill>
+                    <a:srgbClr val="00B050"/>
+                  </a:solidFill>
+                </a:rPr>
+                <a:t>) : String</a:t>
+              </a:r>
+            </a:p>
+            <a:p>
+              <a:r>
+                <a:rPr lang="en-US" sz="700" b="1" dirty="0" smtClean="0">
+                  <a:solidFill>
+                    <a:srgbClr val="00B050"/>
+                  </a:solidFill>
+                </a:rPr>
+                <a:t>delEvent( </a:t>
+              </a:r>
+              <a:r>
+                <a:rPr lang="en-US" sz="700" b="1" dirty="0" smtClean="0">
+                  <a:solidFill>
+                    <a:srgbClr val="00B050"/>
+                  </a:solidFill>
+                </a:rPr>
+                <a:t>String eventArrayId  </a:t>
+              </a:r>
+              <a:r>
+                <a:rPr lang="en-US" sz="700" b="1" dirty="0" smtClean="0">
+                  <a:solidFill>
+                    <a:srgbClr val="00B050"/>
+                  </a:solidFill>
+                </a:rPr>
+                <a:t>) : String</a:t>
+              </a:r>
+              <a:endParaRPr lang="en-SG" sz="1050" b="1" dirty="0">
+                <a:solidFill>
+                  <a:srgbClr val="00B050"/>
+                </a:solidFill>
+              </a:endParaRPr>
+            </a:p>
+          </p:txBody>
+        </p:sp>
+      </p:grpSp>
+      <p:grpSp>
+        <p:nvGrpSpPr>
+          <p:cNvPr id="23" name="Group 22"/>
+          <p:cNvGrpSpPr/>
+          <p:nvPr/>
+        </p:nvGrpSpPr>
+        <p:grpSpPr>
+          <a:xfrm>
+            <a:off x="5063943" y="3545782"/>
+            <a:ext cx="1982857" cy="2093018"/>
+            <a:chOff x="252305" y="6146832"/>
+            <a:chExt cx="2647063" cy="2498495"/>
+          </a:xfrm>
+        </p:grpSpPr>
+        <p:sp>
+          <p:nvSpPr>
+            <p:cNvPr id="16" name="Rounded Rectangle 15"/>
+            <p:cNvSpPr/>
+            <p:nvPr/>
+          </p:nvSpPr>
+          <p:spPr>
+            <a:xfrm>
+              <a:off x="252305" y="6146832"/>
+              <a:ext cx="2647063" cy="2498495"/>
+            </a:xfrm>
+            <a:prstGeom prst="roundRect">
+              <a:avLst/>
+            </a:prstGeom>
+            <a:solidFill>
+              <a:schemeClr val="accent6">
+                <a:lumMod val="20000"/>
+                <a:lumOff val="80000"/>
+              </a:schemeClr>
+            </a:solidFill>
+          </p:spPr>
+          <p:style>
+            <a:lnRef idx="1">
+              <a:schemeClr val="accent6"/>
+            </a:lnRef>
+            <a:fillRef idx="2">
+              <a:schemeClr val="accent6"/>
+            </a:fillRef>
+            <a:effectRef idx="1">
+              <a:schemeClr val="accent6"/>
+            </a:effectRef>
+            <a:fontRef idx="minor">
+              <a:schemeClr val="dk1"/>
+            </a:fontRef>
+          </p:style>
+          <p:txBody>
+            <a:bodyPr rtlCol="0" anchor="ctr"/>
+            <a:lstStyle/>
+            <a:p>
+              <a:pPr algn="ctr"/>
+              <a:r>
+                <a:rPr lang="en-CA" sz="1100" dirty="0" smtClean="0"/>
+                <a:t>&lt;&lt;External&gt;&gt;</a:t>
+              </a:r>
+            </a:p>
+            <a:p>
+              <a:pPr algn="ctr"/>
+              <a:r>
+                <a:rPr lang="en-CA" sz="1100" dirty="0" smtClean="0"/>
+                <a:t>googleCalendar</a:t>
+              </a:r>
+              <a:endParaRPr lang="en-CA" sz="1100" dirty="0" smtClean="0"/>
+            </a:p>
+            <a:p>
+              <a:pPr algn="ctr"/>
+              <a:endParaRPr lang="en-CA" sz="1100" dirty="0" smtClean="0"/>
+            </a:p>
+            <a:p>
+              <a:pPr algn="ctr"/>
+              <a:endParaRPr lang="en-CA" sz="1100" dirty="0" smtClean="0"/>
+            </a:p>
+            <a:p>
+              <a:pPr algn="ctr"/>
+              <a:endParaRPr lang="en-CA" sz="1100" dirty="0" smtClean="0"/>
+            </a:p>
+            <a:p>
+              <a:pPr algn="ctr"/>
+              <a:endParaRPr lang="en-CA" sz="1100" dirty="0" smtClean="0"/>
+            </a:p>
+            <a:p>
+              <a:pPr algn="ctr"/>
+              <a:endParaRPr lang="en-CA" sz="1100" dirty="0" smtClean="0"/>
+            </a:p>
+            <a:p>
+              <a:pPr algn="ctr"/>
+              <a:endParaRPr lang="en-CA" sz="1100" dirty="0" smtClean="0"/>
+            </a:p>
+            <a:p>
+              <a:pPr algn="ctr"/>
+              <a:endParaRPr lang="en-CA" sz="1100" dirty="0"/>
+            </a:p>
+            <a:p>
+              <a:pPr algn="ctr"/>
+              <a:endParaRPr lang="en-CA" sz="1100" dirty="0" smtClean="0"/>
+            </a:p>
+            <a:p>
+              <a:pPr algn="ctr"/>
+              <a:endParaRPr lang="en-CA" sz="1100" dirty="0"/>
+            </a:p>
+            <a:p>
+              <a:pPr algn="ctr"/>
+              <a:endParaRPr lang="en-CA" sz="1100" dirty="0"/>
+            </a:p>
+          </p:txBody>
+        </p:sp>
+        <p:grpSp>
+          <p:nvGrpSpPr>
+            <p:cNvPr id="22" name="Group 21"/>
+            <p:cNvGrpSpPr/>
+            <p:nvPr/>
+          </p:nvGrpSpPr>
+          <p:grpSpPr>
+            <a:xfrm>
+              <a:off x="521811" y="6640485"/>
+              <a:ext cx="2102766" cy="1822918"/>
+              <a:chOff x="3192809" y="6182527"/>
+              <a:chExt cx="1857333" cy="1580494"/>
+            </a:xfrm>
+          </p:grpSpPr>
+          <p:sp>
+            <p:nvSpPr>
+              <p:cNvPr id="18" name="Rectangle 11"/>
+              <p:cNvSpPr/>
+              <p:nvPr/>
+            </p:nvSpPr>
+            <p:spPr>
+              <a:xfrm flipH="1">
+                <a:off x="3192811" y="6182527"/>
+                <a:ext cx="1857331" cy="531397"/>
+              </a:xfrm>
+              <a:prstGeom prst="rect">
+                <a:avLst/>
+              </a:prstGeom>
+              <a:ln/>
+            </p:spPr>
+            <p:style>
+              <a:lnRef idx="1">
+                <a:schemeClr val="accent6"/>
+              </a:lnRef>
+              <a:fillRef idx="2">
+                <a:schemeClr val="accent6"/>
+              </a:fillRef>
+              <a:effectRef idx="1">
+                <a:schemeClr val="accent6"/>
+              </a:effectRef>
+              <a:fontRef idx="minor">
+                <a:schemeClr val="dk1"/>
+              </a:fontRef>
+            </p:style>
+            <p:txBody>
+              <a:bodyPr rtlCol="0" anchor="ctr"/>
+              <a:lstStyle/>
+              <a:p>
+                <a:pPr algn="ctr"/>
+                <a:r>
+                  <a:rPr lang="en-US" sz="1100" dirty="0" smtClean="0">
+                    <a:solidFill>
+                      <a:schemeClr val="tx1">
+                        <a:lumMod val="75000"/>
+                        <a:lumOff val="25000"/>
+                      </a:schemeClr>
+                    </a:solidFill>
+                  </a:rPr>
+                  <a:t>&lt;&lt;External&gt;&gt;</a:t>
+                </a:r>
+              </a:p>
+              <a:p>
+                <a:pPr algn="ctr"/>
+                <a:r>
+                  <a:rPr lang="en-US" sz="1100" dirty="0" smtClean="0">
+                    <a:solidFill>
+                      <a:schemeClr val="tx1">
+                        <a:lumMod val="75000"/>
+                        <a:lumOff val="25000"/>
+                      </a:schemeClr>
+                    </a:solidFill>
+                  </a:rPr>
+                  <a:t>&lt;&lt;Interface&gt;&gt;</a:t>
+                </a:r>
+              </a:p>
+              <a:p>
+                <a:pPr algn="ctr"/>
+                <a:r>
+                  <a:rPr lang="en-US" sz="1100" dirty="0" smtClean="0">
+                    <a:solidFill>
+                      <a:schemeClr val="tx1">
+                        <a:lumMod val="75000"/>
+                        <a:lumOff val="25000"/>
+                      </a:schemeClr>
+                    </a:solidFill>
+                  </a:rPr>
+                  <a:t>GoogleCalendarAPI</a:t>
+                </a:r>
+                <a:endParaRPr lang="en-SG" dirty="0">
+                  <a:solidFill>
+                    <a:schemeClr val="tx1">
+                      <a:lumMod val="75000"/>
+                      <a:lumOff val="25000"/>
+                    </a:schemeClr>
+                  </a:solidFill>
+                </a:endParaRPr>
+              </a:p>
+            </p:txBody>
+          </p:sp>
+          <p:sp>
+            <p:nvSpPr>
+              <p:cNvPr id="19" name="Rectangle 18"/>
+              <p:cNvSpPr/>
+              <p:nvPr/>
+            </p:nvSpPr>
+            <p:spPr>
+              <a:xfrm flipH="1">
+                <a:off x="3192810" y="6701465"/>
+                <a:ext cx="1857331" cy="141946"/>
+              </a:xfrm>
+              <a:prstGeom prst="rect">
+                <a:avLst/>
+              </a:prstGeom>
+              <a:ln/>
+            </p:spPr>
+            <p:style>
+              <a:lnRef idx="1">
+                <a:schemeClr val="accent6"/>
+              </a:lnRef>
+              <a:fillRef idx="2">
+                <a:schemeClr val="accent6"/>
+              </a:fillRef>
+              <a:effectRef idx="1">
+                <a:schemeClr val="accent6"/>
+              </a:effectRef>
+              <a:fontRef idx="minor">
+                <a:schemeClr val="dk1"/>
+              </a:fontRef>
+            </p:style>
+            <p:txBody>
+              <a:bodyPr rtlCol="0" anchor="ctr"/>
+              <a:lstStyle/>
+              <a:p>
+                <a:pPr algn="ctr"/>
+                <a:endParaRPr lang="en-SG" sz="1050" b="1" dirty="0">
+                  <a:solidFill>
+                    <a:schemeClr val="tx1">
+                      <a:lumMod val="75000"/>
+                      <a:lumOff val="25000"/>
+                    </a:schemeClr>
+                  </a:solidFill>
+                </a:endParaRPr>
+              </a:p>
+            </p:txBody>
+          </p:sp>
+          <p:sp>
+            <p:nvSpPr>
+              <p:cNvPr id="20" name="Rectangle 11"/>
+              <p:cNvSpPr/>
+              <p:nvPr/>
+            </p:nvSpPr>
+            <p:spPr>
+              <a:xfrm flipH="1">
+                <a:off x="3192809" y="6858642"/>
+                <a:ext cx="1857333" cy="904379"/>
+              </a:xfrm>
+              <a:prstGeom prst="rect">
+                <a:avLst/>
+              </a:prstGeom>
+              <a:ln/>
+            </p:spPr>
+            <p:style>
+              <a:lnRef idx="1">
+                <a:schemeClr val="accent6"/>
+              </a:lnRef>
+              <a:fillRef idx="2">
+                <a:schemeClr val="accent6"/>
+              </a:fillRef>
+              <a:effectRef idx="1">
+                <a:schemeClr val="accent6"/>
+              </a:effectRef>
+              <a:fontRef idx="minor">
+                <a:schemeClr val="dk1"/>
+              </a:fontRef>
+            </p:style>
+            <p:txBody>
+              <a:bodyPr rtlCol="0" anchor="ctr"/>
+              <a:lstStyle/>
+              <a:p>
+                <a:r>
+                  <a:rPr lang="en-US" sz="700" dirty="0" smtClean="0">
+                    <a:solidFill>
+                      <a:schemeClr val="tx1">
+                        <a:lumMod val="75000"/>
+                        <a:lumOff val="25000"/>
+                      </a:schemeClr>
+                    </a:solidFill>
+                  </a:rPr>
+                  <a:t>          List() : Events</a:t>
+                </a:r>
+              </a:p>
+              <a:p>
+                <a:r>
+                  <a:rPr lang="en-US" sz="700" dirty="0" smtClean="0">
+                    <a:solidFill>
+                      <a:schemeClr val="tx1">
+                        <a:lumMod val="75000"/>
+                        <a:lumOff val="25000"/>
+                      </a:schemeClr>
+                    </a:solidFill>
+                  </a:rPr>
+                  <a:t>          Insert(</a:t>
+                </a:r>
+              </a:p>
+              <a:p>
+                <a:r>
+                  <a:rPr lang="en-US" sz="700" dirty="0" smtClean="0">
+                    <a:solidFill>
+                      <a:schemeClr val="tx1">
+                        <a:lumMod val="75000"/>
+                        <a:lumOff val="25000"/>
+                      </a:schemeClr>
+                    </a:solidFill>
+                  </a:rPr>
+                  <a:t>                   String eventName,</a:t>
+                </a:r>
+              </a:p>
+              <a:p>
+                <a:r>
+                  <a:rPr lang="en-US" sz="700" dirty="0" smtClean="0">
+                    <a:solidFill>
+                      <a:schemeClr val="tx1">
+                        <a:lumMod val="75000"/>
+                        <a:lumOff val="25000"/>
+                      </a:schemeClr>
+                    </a:solidFill>
+                  </a:rPr>
+                  <a:t>                   </a:t>
+                </a:r>
+                <a:r>
+                  <a:rPr lang="en-US" sz="700" dirty="0">
+                    <a:solidFill>
+                      <a:schemeClr val="tx1">
+                        <a:lumMod val="75000"/>
+                        <a:lumOff val="25000"/>
+                      </a:schemeClr>
+                    </a:solidFill>
+                  </a:rPr>
+                  <a:t>String eventName</a:t>
+                </a:r>
+                <a:r>
+                  <a:rPr lang="en-US" sz="700" dirty="0" smtClean="0">
+                    <a:solidFill>
+                      <a:schemeClr val="tx1">
+                        <a:lumMod val="75000"/>
+                        <a:lumOff val="25000"/>
+                      </a:schemeClr>
+                    </a:solidFill>
+                  </a:rPr>
+                  <a:t>,</a:t>
+                </a:r>
+              </a:p>
+              <a:p>
+                <a:r>
+                  <a:rPr lang="en-US" sz="700" dirty="0">
+                    <a:solidFill>
+                      <a:schemeClr val="tx1">
+                        <a:lumMod val="75000"/>
+                        <a:lumOff val="25000"/>
+                      </a:schemeClr>
+                    </a:solidFill>
+                  </a:rPr>
+                  <a:t> </a:t>
+                </a:r>
+                <a:r>
+                  <a:rPr lang="en-US" sz="700" dirty="0" smtClean="0">
+                    <a:solidFill>
+                      <a:schemeClr val="tx1">
+                        <a:lumMod val="75000"/>
+                        <a:lumOff val="25000"/>
+                      </a:schemeClr>
+                    </a:solidFill>
+                  </a:rPr>
+                  <a:t>                  DateTime startDateTime, </a:t>
+                </a:r>
+              </a:p>
+              <a:p>
+                <a:r>
+                  <a:rPr lang="en-US" sz="700" dirty="0">
+                    <a:solidFill>
+                      <a:schemeClr val="tx1">
+                        <a:lumMod val="75000"/>
+                        <a:lumOff val="25000"/>
+                      </a:schemeClr>
+                    </a:solidFill>
+                  </a:rPr>
+                  <a:t> </a:t>
+                </a:r>
+                <a:r>
+                  <a:rPr lang="en-US" sz="700" dirty="0" smtClean="0">
+                    <a:solidFill>
+                      <a:schemeClr val="tx1">
+                        <a:lumMod val="75000"/>
+                        <a:lumOff val="25000"/>
+                      </a:schemeClr>
+                    </a:solidFill>
+                  </a:rPr>
+                  <a:t>                  DateTime endDateTime</a:t>
+                </a:r>
+              </a:p>
+              <a:p>
+                <a:r>
+                  <a:rPr lang="en-US" sz="700" dirty="0" smtClean="0">
+                    <a:solidFill>
+                      <a:schemeClr val="tx1">
+                        <a:lumMod val="75000"/>
+                        <a:lumOff val="25000"/>
+                      </a:schemeClr>
+                    </a:solidFill>
+                  </a:rPr>
+                  <a:t>          ) : Event</a:t>
+                </a:r>
+              </a:p>
+              <a:p>
+                <a:r>
+                  <a:rPr lang="en-US" sz="700" dirty="0" smtClean="0">
+                    <a:solidFill>
+                      <a:schemeClr val="tx1">
+                        <a:lumMod val="75000"/>
+                        <a:lumOff val="25000"/>
+                      </a:schemeClr>
+                    </a:solidFill>
+                  </a:rPr>
+                  <a:t>          Delete(String eventID) : Void</a:t>
+                </a:r>
+                <a:endParaRPr lang="en-US" sz="700" dirty="0" smtClean="0">
+                  <a:solidFill>
+                    <a:schemeClr val="tx1">
+                      <a:lumMod val="75000"/>
+                      <a:lumOff val="25000"/>
+                    </a:schemeClr>
+                  </a:solidFill>
+                </a:endParaRPr>
+              </a:p>
+            </p:txBody>
+          </p:sp>
+        </p:grpSp>
+      </p:grpSp>
+      <p:grpSp>
+        <p:nvGrpSpPr>
+          <p:cNvPr id="44" name="Group 43"/>
+          <p:cNvGrpSpPr/>
+          <p:nvPr/>
+        </p:nvGrpSpPr>
+        <p:grpSpPr>
+          <a:xfrm>
+            <a:off x="5713324" y="2986507"/>
+            <a:ext cx="1066800" cy="171884"/>
+            <a:chOff x="5605744" y="4556350"/>
+            <a:chExt cx="1066800" cy="171884"/>
+          </a:xfrm>
+        </p:grpSpPr>
+        <p:sp>
+          <p:nvSpPr>
+            <p:cNvPr id="30" name="TextBox 29"/>
+            <p:cNvSpPr txBox="1"/>
+            <p:nvPr/>
+          </p:nvSpPr>
+          <p:spPr>
+            <a:xfrm>
+              <a:off x="5605744" y="4556350"/>
+              <a:ext cx="1066800" cy="171884"/>
+            </a:xfrm>
+            <a:prstGeom prst="rect">
+              <a:avLst/>
+            </a:prstGeom>
+            <a:noFill/>
+          </p:spPr>
+          <p:txBody>
+            <a:bodyPr wrap="square" lIns="0" tIns="0" rIns="0" bIns="0" rtlCol="0">
+              <a:noAutofit/>
+            </a:bodyPr>
+            <a:lstStyle/>
+            <a:p>
+              <a:r>
+                <a:rPr lang="en-US" sz="800" dirty="0">
+                  <a:solidFill>
+                    <a:schemeClr val="accent5">
+                      <a:lumMod val="75000"/>
+                    </a:schemeClr>
+                  </a:solidFill>
+                </a:rPr>
+                <a:t>s</a:t>
+              </a:r>
+              <a:r>
+                <a:rPr lang="en-US" sz="800" dirty="0" smtClean="0">
+                  <a:solidFill>
+                    <a:schemeClr val="accent5">
+                      <a:lumMod val="75000"/>
+                    </a:schemeClr>
+                  </a:solidFill>
+                </a:rPr>
+                <a:t>ends HTTPS Request</a:t>
+              </a:r>
+              <a:endParaRPr lang="en-SG" sz="800" dirty="0">
+                <a:solidFill>
+                  <a:schemeClr val="accent5">
+                    <a:lumMod val="75000"/>
+                  </a:schemeClr>
+                </a:solidFill>
+              </a:endParaRPr>
+            </a:p>
+          </p:txBody>
+        </p:sp>
+        <p:sp>
+          <p:nvSpPr>
+            <p:cNvPr id="31" name="Isosceles Triangle 30"/>
+            <p:cNvSpPr/>
+            <p:nvPr/>
+          </p:nvSpPr>
+          <p:spPr>
+            <a:xfrm flipV="1">
+              <a:off x="6537107" y="4572857"/>
+              <a:ext cx="118473" cy="85458"/>
+            </a:xfrm>
+            <a:prstGeom prst="triangle">
+              <a:avLst/>
+            </a:prstGeom>
+            <a:solidFill>
+              <a:schemeClr val="accent5">
+                <a:lumMod val="75000"/>
+              </a:schemeClr>
+            </a:solidFill>
+            <a:ln>
+              <a:noFill/>
+            </a:ln>
+          </p:spPr>
+          <p:style>
+            <a:lnRef idx="2">
+              <a:schemeClr val="accent1">
+                <a:shade val="50000"/>
+              </a:schemeClr>
+            </a:lnRef>
+            <a:fillRef idx="1">
+              <a:schemeClr val="accent1"/>
+            </a:fillRef>
+            <a:effectRef idx="0">
+              <a:schemeClr val="accent1"/>
+            </a:effectRef>
+            <a:fontRef idx="minor">
+              <a:schemeClr val="lt1"/>
+            </a:fontRef>
+          </p:style>
+          <p:txBody>
+            <a:bodyPr rtlCol="0" anchor="ctr"/>
+            <a:lstStyle/>
+            <a:p>
+              <a:pPr algn="ctr"/>
+              <a:endParaRPr lang="en-SG"/>
+            </a:p>
+          </p:txBody>
+        </p:sp>
+      </p:grpSp>
+      <p:cxnSp>
+        <p:nvCxnSpPr>
+          <p:cNvPr id="32" name="Elbow Connector 63"/>
+          <p:cNvCxnSpPr>
+            <a:stCxn id="16" idx="1"/>
+          </p:cNvCxnSpPr>
+          <p:nvPr/>
+        </p:nvCxnSpPr>
+        <p:spPr>
+          <a:xfrm rot="10800000" flipV="1">
+            <a:off x="3824399" y="4592290"/>
+            <a:ext cx="1239545" cy="5579"/>
+          </a:xfrm>
+          <a:prstGeom prst="bentConnector3">
+            <a:avLst>
+              <a:gd name="adj1" fmla="val 50000"/>
+            </a:avLst>
+          </a:prstGeom>
+          <a:ln w="9525">
+            <a:solidFill>
+              <a:srgbClr val="0070C0"/>
+            </a:solidFill>
+            <a:prstDash val="sysDot"/>
+            <a:headEnd type="none" w="med" len="sm"/>
+            <a:tailEnd type="arrow" w="sm" len="sm"/>
+          </a:ln>
+          <a:effectLst/>
+        </p:spPr>
+        <p:style>
+          <a:lnRef idx="1">
+            <a:schemeClr val="accent2"/>
+          </a:lnRef>
+          <a:fillRef idx="2">
+            <a:schemeClr val="accent2"/>
+          </a:fillRef>
+          <a:effectRef idx="1">
+            <a:schemeClr val="accent2"/>
+          </a:effectRef>
+          <a:fontRef idx="minor">
+            <a:schemeClr val="dk1"/>
+          </a:fontRef>
+        </p:style>
+      </p:cxnSp>
+      <p:grpSp>
+        <p:nvGrpSpPr>
+          <p:cNvPr id="56" name="Group 55"/>
+          <p:cNvGrpSpPr/>
+          <p:nvPr/>
+        </p:nvGrpSpPr>
+        <p:grpSpPr>
+          <a:xfrm>
+            <a:off x="4170735" y="4364797"/>
+            <a:ext cx="1143260" cy="171884"/>
+            <a:chOff x="6308194" y="4142929"/>
+            <a:chExt cx="1143260" cy="171884"/>
+          </a:xfrm>
+        </p:grpSpPr>
+        <p:sp>
+          <p:nvSpPr>
+            <p:cNvPr id="57" name="TextBox 56"/>
+            <p:cNvSpPr txBox="1"/>
+            <p:nvPr/>
+          </p:nvSpPr>
+          <p:spPr>
+            <a:xfrm>
+              <a:off x="6464630" y="4142929"/>
+              <a:ext cx="986824" cy="171884"/>
+            </a:xfrm>
+            <a:prstGeom prst="rect">
+              <a:avLst/>
+            </a:prstGeom>
+            <a:noFill/>
+          </p:spPr>
+          <p:txBody>
+            <a:bodyPr wrap="square" lIns="0" tIns="0" rIns="0" bIns="0" rtlCol="0">
+              <a:noAutofit/>
+            </a:bodyPr>
+            <a:lstStyle/>
+            <a:p>
+              <a:r>
+                <a:rPr lang="en-SG" sz="800" dirty="0" smtClean="0">
+                  <a:solidFill>
+                    <a:schemeClr val="accent5">
+                      <a:lumMod val="75000"/>
+                    </a:schemeClr>
+                  </a:solidFill>
+                </a:rPr>
+                <a:t>responds</a:t>
+              </a:r>
+              <a:endParaRPr lang="en-SG" sz="800" dirty="0">
+                <a:solidFill>
+                  <a:schemeClr val="accent5">
+                    <a:lumMod val="75000"/>
+                  </a:schemeClr>
+                </a:solidFill>
+              </a:endParaRPr>
+            </a:p>
+          </p:txBody>
+        </p:sp>
+        <p:sp>
+          <p:nvSpPr>
+            <p:cNvPr id="58" name="Isosceles Triangle 57"/>
+            <p:cNvSpPr/>
+            <p:nvPr/>
+          </p:nvSpPr>
+          <p:spPr>
+            <a:xfrm rot="5400000" flipH="1" flipV="1">
+              <a:off x="6291686" y="4166887"/>
+              <a:ext cx="118473" cy="85458"/>
+            </a:xfrm>
+            <a:prstGeom prst="triangle">
+              <a:avLst/>
+            </a:prstGeom>
+            <a:solidFill>
+              <a:schemeClr val="accent5">
+                <a:lumMod val="75000"/>
+              </a:schemeClr>
+            </a:solidFill>
+            <a:ln>
+              <a:noFill/>
+            </a:ln>
+          </p:spPr>
+          <p:style>
+            <a:lnRef idx="2">
+              <a:schemeClr val="accent1">
+                <a:shade val="50000"/>
+              </a:schemeClr>
+            </a:lnRef>
+            <a:fillRef idx="1">
+              <a:schemeClr val="accent1"/>
+            </a:fillRef>
+            <a:effectRef idx="0">
+              <a:schemeClr val="accent1"/>
+            </a:effectRef>
+            <a:fontRef idx="minor">
+              <a:schemeClr val="lt1"/>
+            </a:fontRef>
+          </p:style>
+          <p:txBody>
+            <a:bodyPr rtlCol="0" anchor="ctr"/>
+            <a:lstStyle/>
+            <a:p>
+              <a:pPr algn="ctr"/>
+              <a:endParaRPr lang="en-SG"/>
+            </a:p>
+          </p:txBody>
+        </p:sp>
+      </p:grpSp>
+      <p:grpSp>
+        <p:nvGrpSpPr>
+          <p:cNvPr id="34" name="Group 33"/>
+          <p:cNvGrpSpPr/>
+          <p:nvPr/>
+        </p:nvGrpSpPr>
+        <p:grpSpPr>
+          <a:xfrm>
+            <a:off x="7046800" y="2110124"/>
+            <a:ext cx="1716200" cy="454259"/>
+            <a:chOff x="5141800" y="2144958"/>
+            <a:chExt cx="1792401" cy="454259"/>
+          </a:xfrm>
+        </p:grpSpPr>
+        <p:sp>
+          <p:nvSpPr>
+            <p:cNvPr id="35" name="Rectangle 11"/>
+            <p:cNvSpPr/>
+            <p:nvPr/>
+          </p:nvSpPr>
+          <p:spPr>
+            <a:xfrm flipH="1">
+              <a:off x="5141801" y="2144958"/>
+              <a:ext cx="1792400" cy="141946"/>
+            </a:xfrm>
+            <a:prstGeom prst="rect">
+              <a:avLst/>
+            </a:prstGeom>
+            <a:ln w="12700">
+              <a:solidFill>
+                <a:srgbClr val="00B050"/>
+              </a:solidFill>
+            </a:ln>
+          </p:spPr>
+          <p:style>
+            <a:lnRef idx="1">
+              <a:schemeClr val="accent3"/>
+            </a:lnRef>
+            <a:fillRef idx="2">
+              <a:schemeClr val="accent3"/>
+            </a:fillRef>
+            <a:effectRef idx="1">
+              <a:schemeClr val="accent3"/>
+            </a:effectRef>
+            <a:fontRef idx="minor">
+              <a:schemeClr val="dk1"/>
+            </a:fontRef>
+          </p:style>
+          <p:txBody>
+            <a:bodyPr rtlCol="0" anchor="ctr"/>
+            <a:lstStyle/>
+            <a:p>
+              <a:pPr algn="ctr"/>
+              <a:r>
+                <a:rPr lang="en-US" sz="700" b="1" dirty="0" smtClean="0">
+                  <a:solidFill>
+                    <a:srgbClr val="00B050"/>
+                  </a:solidFill>
+                </a:rPr>
+                <a:t>Credential</a:t>
+              </a:r>
+              <a:endParaRPr lang="en-SG" sz="1050" b="1" dirty="0">
+                <a:solidFill>
+                  <a:srgbClr val="00B050"/>
+                </a:solidFill>
+              </a:endParaRPr>
+            </a:p>
+          </p:txBody>
+        </p:sp>
+        <p:sp>
+          <p:nvSpPr>
+            <p:cNvPr id="36" name="Rectangle 35"/>
+            <p:cNvSpPr/>
+            <p:nvPr/>
+          </p:nvSpPr>
+          <p:spPr>
+            <a:xfrm flipH="1">
+              <a:off x="5141800" y="2287808"/>
+              <a:ext cx="1792400" cy="141946"/>
+            </a:xfrm>
+            <a:prstGeom prst="rect">
+              <a:avLst/>
+            </a:prstGeom>
+            <a:ln w="12700">
+              <a:solidFill>
+                <a:srgbClr val="00B050"/>
+              </a:solidFill>
+            </a:ln>
+          </p:spPr>
+          <p:style>
+            <a:lnRef idx="1">
+              <a:schemeClr val="accent3"/>
+            </a:lnRef>
+            <a:fillRef idx="2">
+              <a:schemeClr val="accent3"/>
+            </a:fillRef>
+            <a:effectRef idx="1">
+              <a:schemeClr val="accent3"/>
+            </a:effectRef>
+            <a:fontRef idx="minor">
+              <a:schemeClr val="dk1"/>
+            </a:fontRef>
+          </p:style>
+          <p:txBody>
+            <a:bodyPr rtlCol="0" anchor="ctr"/>
+            <a:lstStyle/>
+            <a:p>
+              <a:pPr algn="ctr"/>
+              <a:endParaRPr lang="en-SG" sz="1050" b="1" dirty="0">
+                <a:solidFill>
+                  <a:srgbClr val="00B050"/>
+                </a:solidFill>
+              </a:endParaRPr>
+            </a:p>
+          </p:txBody>
+        </p:sp>
+        <p:sp>
+          <p:nvSpPr>
+            <p:cNvPr id="37" name="Rectangle 11"/>
+            <p:cNvSpPr/>
+            <p:nvPr/>
+          </p:nvSpPr>
+          <p:spPr>
+            <a:xfrm flipH="1">
+              <a:off x="5141800" y="2444984"/>
+              <a:ext cx="1792400" cy="154233"/>
+            </a:xfrm>
+            <a:prstGeom prst="rect">
+              <a:avLst/>
+            </a:prstGeom>
+            <a:ln w="12700">
+              <a:solidFill>
+                <a:srgbClr val="00B050"/>
+              </a:solidFill>
+            </a:ln>
+          </p:spPr>
+          <p:style>
+            <a:lnRef idx="1">
+              <a:schemeClr val="accent3"/>
+            </a:lnRef>
+            <a:fillRef idx="2">
+              <a:schemeClr val="accent3"/>
+            </a:fillRef>
+            <a:effectRef idx="1">
+              <a:schemeClr val="accent3"/>
+            </a:effectRef>
+            <a:fontRef idx="minor">
+              <a:schemeClr val="dk1"/>
+            </a:fontRef>
+          </p:style>
+          <p:txBody>
+            <a:bodyPr rtlCol="0" anchor="ctr"/>
+            <a:lstStyle/>
+            <a:p>
+              <a:endParaRPr lang="en-SG" sz="1050" b="1" dirty="0">
+                <a:solidFill>
+                  <a:srgbClr val="00B050"/>
+                </a:solidFill>
+              </a:endParaRPr>
+            </a:p>
+          </p:txBody>
+        </p:sp>
+      </p:grpSp>
+      <p:cxnSp>
+        <p:nvCxnSpPr>
+          <p:cNvPr id="41" name="Elbow Connector 63"/>
+          <p:cNvCxnSpPr>
+            <a:cxnSpLocks/>
+          </p:cNvCxnSpPr>
+          <p:nvPr/>
+        </p:nvCxnSpPr>
+        <p:spPr>
+          <a:xfrm>
+            <a:off x="6511497" y="2310024"/>
+            <a:ext cx="537255" cy="12700"/>
+          </a:xfrm>
+          <a:prstGeom prst="bentConnector3">
+            <a:avLst>
+              <a:gd name="adj1" fmla="val 75"/>
+            </a:avLst>
+          </a:prstGeom>
+          <a:ln w="19050">
+            <a:solidFill>
+              <a:schemeClr val="accent5">
+                <a:lumMod val="75000"/>
+              </a:schemeClr>
+            </a:solidFill>
+            <a:prstDash val="sysDot"/>
+            <a:headEnd type="none" w="med" len="med"/>
+            <a:tailEnd type="arrow" w="med" len="med"/>
+          </a:ln>
+          <a:effectLst/>
+        </p:spPr>
+        <p:style>
+          <a:lnRef idx="1">
+            <a:schemeClr val="accent2"/>
+          </a:lnRef>
+          <a:fillRef idx="2">
+            <a:schemeClr val="accent2"/>
+          </a:fillRef>
+          <a:effectRef idx="1">
+            <a:schemeClr val="accent2"/>
+          </a:effectRef>
+          <a:fontRef idx="minor">
+            <a:schemeClr val="dk1"/>
+          </a:fontRef>
+        </p:style>
+      </p:cxnSp>
+      <p:grpSp>
+        <p:nvGrpSpPr>
+          <p:cNvPr id="42" name="Group 41"/>
+          <p:cNvGrpSpPr/>
+          <p:nvPr/>
+        </p:nvGrpSpPr>
+        <p:grpSpPr>
+          <a:xfrm rot="5400000">
+            <a:off x="6779232" y="1918691"/>
+            <a:ext cx="123458" cy="460363"/>
+            <a:chOff x="3627058" y="863312"/>
+            <a:chExt cx="162388" cy="424736"/>
+          </a:xfrm>
+        </p:grpSpPr>
+        <p:sp>
+          <p:nvSpPr>
+            <p:cNvPr id="43" name="TextBox 42"/>
+            <p:cNvSpPr txBox="1"/>
+            <p:nvPr/>
+          </p:nvSpPr>
+          <p:spPr>
+            <a:xfrm rot="16200000">
+              <a:off x="3495884" y="994486"/>
+              <a:ext cx="424736" cy="162388"/>
+            </a:xfrm>
+            <a:prstGeom prst="rect">
+              <a:avLst/>
+            </a:prstGeom>
+            <a:noFill/>
+          </p:spPr>
+          <p:txBody>
+            <a:bodyPr wrap="square" lIns="0" tIns="0" rIns="0" bIns="0" rtlCol="0">
+              <a:noAutofit/>
+            </a:bodyPr>
+            <a:lstStyle/>
+            <a:p>
+              <a:r>
+                <a:rPr lang="en-US" sz="800" dirty="0">
+                  <a:solidFill>
+                    <a:schemeClr val="accent5">
+                      <a:lumMod val="75000"/>
+                    </a:schemeClr>
+                  </a:solidFill>
+                </a:rPr>
+                <a:t>creates</a:t>
+              </a:r>
+              <a:endParaRPr lang="en-SG" sz="800" dirty="0">
+                <a:solidFill>
+                  <a:schemeClr val="accent5">
+                    <a:lumMod val="75000"/>
+                  </a:schemeClr>
+                </a:solidFill>
+              </a:endParaRPr>
+            </a:p>
+          </p:txBody>
+        </p:sp>
+        <p:sp>
+          <p:nvSpPr>
+            <p:cNvPr id="45" name="Isosceles Triangle 44"/>
+            <p:cNvSpPr/>
+            <p:nvPr/>
+          </p:nvSpPr>
+          <p:spPr>
+            <a:xfrm rot="10800000" flipV="1">
+              <a:off x="3657286" y="917821"/>
+              <a:ext cx="132159" cy="68049"/>
+            </a:xfrm>
+            <a:prstGeom prst="triangle">
+              <a:avLst/>
+            </a:prstGeom>
+            <a:solidFill>
+              <a:schemeClr val="accent5">
+                <a:lumMod val="75000"/>
+              </a:schemeClr>
+            </a:solidFill>
+            <a:ln>
+              <a:noFill/>
+            </a:ln>
+          </p:spPr>
+          <p:style>
+            <a:lnRef idx="2">
+              <a:schemeClr val="accent1">
+                <a:shade val="50000"/>
+              </a:schemeClr>
+            </a:lnRef>
+            <a:fillRef idx="1">
+              <a:schemeClr val="accent1"/>
+            </a:fillRef>
+            <a:effectRef idx="0">
+              <a:schemeClr val="accent1"/>
+            </a:effectRef>
+            <a:fontRef idx="minor">
+              <a:schemeClr val="lt1"/>
+            </a:fontRef>
+          </p:style>
+          <p:txBody>
+            <a:bodyPr rtlCol="0" anchor="ctr"/>
+            <a:lstStyle/>
+            <a:p>
+              <a:pPr algn="ctr"/>
+              <a:endParaRPr lang="en-SG"/>
+            </a:p>
+          </p:txBody>
+        </p:sp>
+      </p:grpSp>
+      <p:cxnSp>
+        <p:nvCxnSpPr>
+          <p:cNvPr id="46" name="Elbow Connector 63"/>
+          <p:cNvCxnSpPr>
+            <a:cxnSpLocks/>
+            <a:stCxn id="16" idx="3"/>
+            <a:endCxn id="37" idx="2"/>
+          </p:cNvCxnSpPr>
+          <p:nvPr/>
+        </p:nvCxnSpPr>
+        <p:spPr>
+          <a:xfrm flipV="1">
+            <a:off x="7046800" y="2564383"/>
+            <a:ext cx="858099" cy="2027908"/>
+          </a:xfrm>
+          <a:prstGeom prst="bentConnector2">
+            <a:avLst/>
+          </a:prstGeom>
+          <a:ln w="19050">
+            <a:solidFill>
+              <a:schemeClr val="accent5">
+                <a:lumMod val="75000"/>
+              </a:schemeClr>
+            </a:solidFill>
+            <a:prstDash val="sysDot"/>
+            <a:headEnd type="none" w="med" len="med"/>
+            <a:tailEnd type="arrow" w="med" len="med"/>
+          </a:ln>
+          <a:effectLst/>
+        </p:spPr>
+        <p:style>
+          <a:lnRef idx="1">
+            <a:schemeClr val="accent2"/>
+          </a:lnRef>
+          <a:fillRef idx="2">
+            <a:schemeClr val="accent2"/>
+          </a:fillRef>
+          <a:effectRef idx="1">
+            <a:schemeClr val="accent2"/>
+          </a:effectRef>
+          <a:fontRef idx="minor">
+            <a:schemeClr val="dk1"/>
+          </a:fontRef>
+        </p:style>
+      </p:cxnSp>
+      <p:grpSp>
+        <p:nvGrpSpPr>
+          <p:cNvPr id="47" name="Group 46"/>
+          <p:cNvGrpSpPr/>
+          <p:nvPr/>
+        </p:nvGrpSpPr>
+        <p:grpSpPr>
+          <a:xfrm>
+            <a:off x="7940040" y="3030280"/>
+            <a:ext cx="533400" cy="171884"/>
+            <a:chOff x="5636224" y="4556350"/>
+            <a:chExt cx="1066800" cy="171884"/>
+          </a:xfrm>
+        </p:grpSpPr>
+        <p:sp>
+          <p:nvSpPr>
+            <p:cNvPr id="48" name="TextBox 47"/>
+            <p:cNvSpPr txBox="1"/>
+            <p:nvPr/>
+          </p:nvSpPr>
+          <p:spPr>
+            <a:xfrm>
+              <a:off x="5636224" y="4556350"/>
+              <a:ext cx="1066800" cy="171884"/>
+            </a:xfrm>
+            <a:prstGeom prst="rect">
+              <a:avLst/>
+            </a:prstGeom>
+            <a:noFill/>
+          </p:spPr>
+          <p:txBody>
+            <a:bodyPr wrap="square" lIns="0" tIns="0" rIns="0" bIns="0" rtlCol="0">
+              <a:noAutofit/>
+            </a:bodyPr>
+            <a:lstStyle/>
+            <a:p>
+              <a:r>
+                <a:rPr lang="en-US" sz="800" dirty="0" smtClean="0">
+                  <a:solidFill>
+                    <a:schemeClr val="accent5">
+                      <a:lumMod val="75000"/>
+                    </a:schemeClr>
+                  </a:solidFill>
+                </a:rPr>
+                <a:t>builds</a:t>
+              </a:r>
+              <a:endParaRPr lang="en-SG" sz="800" dirty="0">
+                <a:solidFill>
+                  <a:schemeClr val="accent5">
+                    <a:lumMod val="75000"/>
+                  </a:schemeClr>
+                </a:solidFill>
+              </a:endParaRPr>
+            </a:p>
+          </p:txBody>
+        </p:sp>
+        <p:sp>
+          <p:nvSpPr>
+            <p:cNvPr id="49" name="Isosceles Triangle 48"/>
+            <p:cNvSpPr/>
+            <p:nvPr/>
+          </p:nvSpPr>
+          <p:spPr>
+            <a:xfrm>
+              <a:off x="6215344" y="4567422"/>
+              <a:ext cx="191362" cy="77192"/>
+            </a:xfrm>
+            <a:prstGeom prst="triangle">
+              <a:avLst/>
+            </a:prstGeom>
+            <a:solidFill>
+              <a:schemeClr val="accent5">
+                <a:lumMod val="75000"/>
+              </a:schemeClr>
+            </a:solidFill>
+            <a:ln>
+              <a:noFill/>
+            </a:ln>
+          </p:spPr>
+          <p:style>
+            <a:lnRef idx="2">
+              <a:schemeClr val="accent1">
+                <a:shade val="50000"/>
+              </a:schemeClr>
+            </a:lnRef>
+            <a:fillRef idx="1">
+              <a:schemeClr val="accent1"/>
+            </a:fillRef>
+            <a:effectRef idx="0">
+              <a:schemeClr val="accent1"/>
+            </a:effectRef>
+            <a:fontRef idx="minor">
+              <a:schemeClr val="lt1"/>
+            </a:fontRef>
+          </p:style>
+          <p:txBody>
+            <a:bodyPr rtlCol="0" anchor="ctr"/>
+            <a:lstStyle/>
+            <a:p>
+              <a:pPr algn="ctr"/>
+              <a:endParaRPr lang="en-SG"/>
+            </a:p>
+          </p:txBody>
+        </p:sp>
+      </p:grpSp>
+      <p:sp>
+        <p:nvSpPr>
+          <p:cNvPr id="54" name="Rectangle 11"/>
+          <p:cNvSpPr/>
+          <p:nvPr/>
+        </p:nvSpPr>
+        <p:spPr>
+          <a:xfrm rot="16200000" flipH="1">
+            <a:off x="1766027" y="3123229"/>
+            <a:ext cx="3492744" cy="623997"/>
+          </a:xfrm>
+          <a:prstGeom prst="rect">
+            <a:avLst/>
+          </a:prstGeom>
+          <a:ln w="19050">
+            <a:solidFill>
+              <a:srgbClr val="0070C0"/>
+            </a:solidFill>
+          </a:ln>
+          <a:effectLst/>
+        </p:spPr>
+        <p:style>
+          <a:lnRef idx="1">
+            <a:schemeClr val="accent1"/>
+          </a:lnRef>
+          <a:fillRef idx="2">
+            <a:schemeClr val="accent1"/>
+          </a:fillRef>
+          <a:effectRef idx="1">
+            <a:schemeClr val="accent1"/>
+          </a:effectRef>
+          <a:fontRef idx="minor">
+            <a:schemeClr val="dk1"/>
+          </a:fontRef>
+        </p:style>
+        <p:txBody>
+          <a:bodyPr rtlCol="0" anchor="ctr"/>
+          <a:lstStyle/>
+          <a:p>
+            <a:pPr algn="ctr"/>
+            <a:r>
+              <a:rPr lang="en-US" sz="1050" b="1" dirty="0" smtClean="0">
+                <a:solidFill>
+                  <a:srgbClr val="0070C0"/>
+                </a:solidFill>
+              </a:rPr>
+              <a:t>Logic</a:t>
+            </a:r>
+            <a:endParaRPr lang="en-SG" sz="1050" b="1" dirty="0">
+              <a:solidFill>
+                <a:srgbClr val="0070C0"/>
+              </a:solidFill>
+            </a:endParaRPr>
+          </a:p>
+        </p:txBody>
+      </p:sp>
+      <p:cxnSp>
+        <p:nvCxnSpPr>
+          <p:cNvPr id="62" name="Elbow Connector 63"/>
+          <p:cNvCxnSpPr>
+            <a:cxnSpLocks/>
+            <a:stCxn id="37" idx="3"/>
+            <a:endCxn id="14" idx="1"/>
+          </p:cNvCxnSpPr>
+          <p:nvPr/>
+        </p:nvCxnSpPr>
+        <p:spPr>
+          <a:xfrm rot="10800000">
+            <a:off x="6524618" y="2474603"/>
+            <a:ext cx="522183" cy="12665"/>
+          </a:xfrm>
+          <a:prstGeom prst="bentConnector3">
+            <a:avLst>
+              <a:gd name="adj1" fmla="val -2533"/>
+            </a:avLst>
+          </a:prstGeom>
+          <a:ln w="19050">
+            <a:solidFill>
+              <a:schemeClr val="accent5">
+                <a:lumMod val="75000"/>
+              </a:schemeClr>
+            </a:solidFill>
+            <a:prstDash val="sysDot"/>
+            <a:headEnd type="none" w="med" len="med"/>
+            <a:tailEnd type="arrow" w="med" len="med"/>
+          </a:ln>
+          <a:effectLst/>
+        </p:spPr>
+        <p:style>
+          <a:lnRef idx="1">
+            <a:schemeClr val="accent2"/>
+          </a:lnRef>
+          <a:fillRef idx="2">
+            <a:schemeClr val="accent2"/>
+          </a:fillRef>
+          <a:effectRef idx="1">
+            <a:schemeClr val="accent2"/>
+          </a:effectRef>
+          <a:fontRef idx="minor">
+            <a:schemeClr val="dk1"/>
+          </a:fontRef>
+        </p:style>
+      </p:cxnSp>
+      <p:grpSp>
+        <p:nvGrpSpPr>
+          <p:cNvPr id="63" name="Group 62"/>
+          <p:cNvGrpSpPr/>
+          <p:nvPr/>
+        </p:nvGrpSpPr>
+        <p:grpSpPr>
+          <a:xfrm rot="5400000">
+            <a:off x="6779231" y="2386728"/>
+            <a:ext cx="123458" cy="569703"/>
+            <a:chOff x="3627057" y="460256"/>
+            <a:chExt cx="162388" cy="525614"/>
+          </a:xfrm>
+        </p:grpSpPr>
+        <p:sp>
+          <p:nvSpPr>
+            <p:cNvPr id="64" name="TextBox 63"/>
+            <p:cNvSpPr txBox="1"/>
+            <p:nvPr/>
+          </p:nvSpPr>
+          <p:spPr>
+            <a:xfrm rot="16200000">
+              <a:off x="3495883" y="591430"/>
+              <a:ext cx="424736" cy="162388"/>
+            </a:xfrm>
+            <a:prstGeom prst="rect">
+              <a:avLst/>
+            </a:prstGeom>
+            <a:noFill/>
+          </p:spPr>
+          <p:txBody>
+            <a:bodyPr wrap="square" lIns="0" tIns="0" rIns="0" bIns="0" rtlCol="0">
+              <a:noAutofit/>
+            </a:bodyPr>
+            <a:lstStyle/>
+            <a:p>
+              <a:r>
+                <a:rPr lang="en-US" sz="800" dirty="0" smtClean="0">
+                  <a:solidFill>
+                    <a:schemeClr val="accent5">
+                      <a:lumMod val="75000"/>
+                    </a:schemeClr>
+                  </a:solidFill>
+                </a:rPr>
+                <a:t>authorizes</a:t>
+              </a:r>
+              <a:endParaRPr lang="en-SG" sz="800" dirty="0">
+                <a:solidFill>
+                  <a:schemeClr val="accent5">
+                    <a:lumMod val="75000"/>
+                  </a:schemeClr>
+                </a:solidFill>
+              </a:endParaRPr>
+            </a:p>
+          </p:txBody>
+        </p:sp>
+        <p:sp>
+          <p:nvSpPr>
+            <p:cNvPr id="65" name="Isosceles Triangle 64"/>
+            <p:cNvSpPr/>
+            <p:nvPr/>
+          </p:nvSpPr>
+          <p:spPr>
+            <a:xfrm flipH="1" flipV="1">
+              <a:off x="3657286" y="917821"/>
+              <a:ext cx="132159" cy="68049"/>
+            </a:xfrm>
+            <a:prstGeom prst="triangle">
+              <a:avLst/>
+            </a:prstGeom>
+            <a:solidFill>
+              <a:schemeClr val="accent5">
+                <a:lumMod val="75000"/>
+              </a:schemeClr>
+            </a:solidFill>
+            <a:ln>
+              <a:noFill/>
+            </a:ln>
+          </p:spPr>
+          <p:style>
+            <a:lnRef idx="2">
+              <a:schemeClr val="accent1">
+                <a:shade val="50000"/>
+              </a:schemeClr>
+            </a:lnRef>
+            <a:fillRef idx="1">
+              <a:schemeClr val="accent1"/>
+            </a:fillRef>
+            <a:effectRef idx="0">
+              <a:schemeClr val="accent1"/>
+            </a:effectRef>
+            <a:fontRef idx="minor">
+              <a:schemeClr val="lt1"/>
+            </a:fontRef>
+          </p:style>
+          <p:txBody>
+            <a:bodyPr rtlCol="0" anchor="ctr"/>
+            <a:lstStyle/>
+            <a:p>
+              <a:pPr algn="ctr"/>
+              <a:endParaRPr lang="en-SG"/>
+            </a:p>
+          </p:txBody>
+        </p:sp>
+      </p:grpSp>
+      <p:sp>
+        <p:nvSpPr>
+          <p:cNvPr id="77" name="TextBox 76"/>
+          <p:cNvSpPr txBox="1"/>
+          <p:nvPr/>
+        </p:nvSpPr>
+        <p:spPr>
+          <a:xfrm>
+            <a:off x="5713324" y="3327505"/>
+            <a:ext cx="244326" cy="215444"/>
+          </a:xfrm>
+          <a:prstGeom prst="rect">
+            <a:avLst/>
+          </a:prstGeom>
+          <a:noFill/>
+        </p:spPr>
+        <p:txBody>
+          <a:bodyPr wrap="square" rtlCol="0">
+            <a:spAutoFit/>
+          </a:bodyPr>
+          <a:lstStyle/>
+          <a:p>
+            <a:r>
+              <a:rPr lang="en-CA" sz="800" dirty="0" smtClean="0"/>
+              <a:t>1</a:t>
+            </a:r>
+            <a:endParaRPr lang="en-CA" sz="800" dirty="0"/>
+          </a:p>
+        </p:txBody>
+      </p:sp>
+      <p:sp>
+        <p:nvSpPr>
+          <p:cNvPr id="79" name="TextBox 78"/>
+          <p:cNvSpPr txBox="1"/>
+          <p:nvPr/>
+        </p:nvSpPr>
+        <p:spPr>
+          <a:xfrm>
+            <a:off x="6927484" y="1910309"/>
+            <a:ext cx="244326" cy="215444"/>
+          </a:xfrm>
+          <a:prstGeom prst="rect">
+            <a:avLst/>
+          </a:prstGeom>
+          <a:noFill/>
+        </p:spPr>
+        <p:txBody>
+          <a:bodyPr wrap="square" rtlCol="0">
+            <a:spAutoFit/>
+          </a:bodyPr>
+          <a:lstStyle/>
+          <a:p>
+            <a:r>
+              <a:rPr lang="en-CA" sz="800" dirty="0" smtClean="0"/>
+              <a:t>1</a:t>
+            </a:r>
+            <a:endParaRPr lang="en-CA" sz="800" dirty="0"/>
+          </a:p>
+        </p:txBody>
+      </p:sp>
+      <p:sp>
+        <p:nvSpPr>
+          <p:cNvPr id="80" name="TextBox 79"/>
+          <p:cNvSpPr txBox="1"/>
+          <p:nvPr/>
+        </p:nvSpPr>
+        <p:spPr>
+          <a:xfrm>
+            <a:off x="7620000" y="2599877"/>
+            <a:ext cx="244326" cy="215444"/>
+          </a:xfrm>
+          <a:prstGeom prst="rect">
+            <a:avLst/>
+          </a:prstGeom>
+          <a:noFill/>
+        </p:spPr>
+        <p:txBody>
+          <a:bodyPr wrap="square" rtlCol="0">
+            <a:spAutoFit/>
+          </a:bodyPr>
+          <a:lstStyle/>
+          <a:p>
+            <a:r>
+              <a:rPr lang="en-CA" sz="800" dirty="0" smtClean="0"/>
+              <a:t>1</a:t>
+            </a:r>
+            <a:endParaRPr lang="en-CA" sz="800" dirty="0"/>
+          </a:p>
+        </p:txBody>
+      </p:sp>
+      <p:sp>
+        <p:nvSpPr>
+          <p:cNvPr id="81" name="TextBox 80"/>
+          <p:cNvSpPr txBox="1"/>
+          <p:nvPr/>
+        </p:nvSpPr>
+        <p:spPr>
+          <a:xfrm>
+            <a:off x="4534729" y="2385599"/>
+            <a:ext cx="244326" cy="276999"/>
+          </a:xfrm>
+          <a:prstGeom prst="rect">
+            <a:avLst/>
+          </a:prstGeom>
+          <a:noFill/>
+        </p:spPr>
+        <p:txBody>
+          <a:bodyPr wrap="square" rtlCol="0">
+            <a:spAutoFit/>
+          </a:bodyPr>
+          <a:lstStyle/>
+          <a:p>
+            <a:r>
+              <a:rPr lang="en-CA" sz="1200" dirty="0" smtClean="0"/>
+              <a:t>*</a:t>
+            </a:r>
+            <a:endParaRPr lang="en-CA" sz="1200" dirty="0"/>
+          </a:p>
+        </p:txBody>
+      </p:sp>
+    </p:spTree>
+    <p:extLst>
+      <p:ext uri="{BB962C8B-B14F-4D97-AF65-F5344CB8AC3E}">
+        <p14:creationId xmlns:p14="http://schemas.microsoft.com/office/powerpoint/2010/main" val="1902484672"/>
       </p:ext>
     </p:extLst>
   </p:cSld>
